--- a/5 - Logistic Regression/Odds and Probability.pptx
+++ b/5 - Logistic Regression/Odds and Probability.pptx
@@ -55390,15 +55390,6 @@
 </file>
 
 <file path=customXml/item1.xml><?xml version="1.0" encoding="utf-8"?>
-<?mso-contentType ?>
-<FormTemplates xmlns="http://schemas.microsoft.com/sharepoint/v3/contenttype/forms">
-  <Display>DocumentLibraryForm</Display>
-  <Edit>DocumentLibraryForm</Edit>
-  <New>DocumentLibraryForm</New>
-</FormTemplates>
-</file>
-
-<file path=customXml/item2.xml><?xml version="1.0" encoding="utf-8"?>
 <ct:contentTypeSchema xmlns:ct="http://schemas.microsoft.com/office/2006/metadata/contentType" xmlns:ma="http://schemas.microsoft.com/office/2006/metadata/properties/metaAttributes" ct:_="" ma:_="" ma:contentTypeName="Document" ma:contentTypeID="0x0101007188BDCA587B344BBA6CB1A93FAE6998" ma:contentTypeVersion="2" ma:contentTypeDescription="Create a new document." ma:contentTypeScope="" ma:versionID="7a8e4b6720badb2566a0cfeddfaf2856">
   <xsd:schema xmlns:xsd="http://www.w3.org/2001/XMLSchema" xmlns:xs="http://www.w3.org/2001/XMLSchema" xmlns:p="http://schemas.microsoft.com/office/2006/metadata/properties" xmlns:ns2="ba111d12-426d-4af0-bcb6-460e36974645" targetNamespace="http://schemas.microsoft.com/office/2006/metadata/properties" ma:root="true" ma:fieldsID="989b05398519136c88ba0a8d54e3c3da" ns2:_="">
     <xsd:import namespace="ba111d12-426d-4af0-bcb6-460e36974645"/>
@@ -55530,21 +55521,22 @@
 </ct:contentTypeSchema>
 </file>
 
-<file path=customXml/item3.xml><?xml version="1.0" encoding="utf-8"?>
+<file path=customXml/item2.xml><?xml version="1.0" encoding="utf-8"?>
 <p:properties xmlns:p="http://schemas.microsoft.com/office/2006/metadata/properties" xmlns:xsi="http://www.w3.org/2001/XMLSchema-instance" xmlns:pc="http://schemas.microsoft.com/office/infopath/2007/PartnerControls">
   <documentManagement/>
 </p:properties>
 </file>
 
-<file path=customXml/itemProps1.xml><?xml version="1.0" encoding="utf-8"?>
-<ds:datastoreItem xmlns:ds="http://schemas.openxmlformats.org/officeDocument/2006/customXml" ds:itemID="{6C1A3F1B-CE3A-47AB-9F84-47E786467973}">
-  <ds:schemaRefs>
-    <ds:schemaRef ds:uri="http://schemas.microsoft.com/sharepoint/v3/contenttype/forms"/>
-  </ds:schemaRefs>
-</ds:datastoreItem>
+<file path=customXml/item3.xml><?xml version="1.0" encoding="utf-8"?>
+<?mso-contentType ?>
+<FormTemplates xmlns="http://schemas.microsoft.com/sharepoint/v3/contenttype/forms">
+  <Display>DocumentLibraryForm</Display>
+  <Edit>DocumentLibraryForm</Edit>
+  <New>DocumentLibraryForm</New>
+</FormTemplates>
 </file>
 
-<file path=customXml/itemProps2.xml><?xml version="1.0" encoding="utf-8"?>
+<file path=customXml/itemProps1.xml><?xml version="1.0" encoding="utf-8"?>
 <ds:datastoreItem xmlns:ds="http://schemas.openxmlformats.org/officeDocument/2006/customXml" ds:itemID="{D622FF19-6ECD-4B79-A412-9430824D2BB6}">
   <ds:schemaRefs>
     <ds:schemaRef ds:uri="http://schemas.microsoft.com/office/2006/metadata/contentType"/>
@@ -55562,11 +55554,19 @@
 </ds:datastoreItem>
 </file>
 
-<file path=customXml/itemProps3.xml><?xml version="1.0" encoding="utf-8"?>
+<file path=customXml/itemProps2.xml><?xml version="1.0" encoding="utf-8"?>
 <ds:datastoreItem xmlns:ds="http://schemas.openxmlformats.org/officeDocument/2006/customXml" ds:itemID="{7ACF14CA-9E7F-410C-99DF-E0FAFDE78C11}">
   <ds:schemaRefs>
     <ds:schemaRef ds:uri="http://schemas.microsoft.com/office/2006/metadata/properties"/>
     <ds:schemaRef ds:uri="http://schemas.microsoft.com/office/infopath/2007/PartnerControls"/>
   </ds:schemaRefs>
 </ds:datastoreItem>
+</file>
+
+<file path=customXml/itemProps3.xml><?xml version="1.0" encoding="utf-8"?>
+<ds:datastoreItem xmlns:ds="http://schemas.openxmlformats.org/officeDocument/2006/customXml" ds:itemID="{6C1A3F1B-CE3A-47AB-9F84-47E786467973}">
+  <ds:schemaRefs>
+    <ds:schemaRef ds:uri="http://schemas.microsoft.com/sharepoint/v3/contenttype/forms"/>
+  </ds:schemaRefs>
+</ds:datastoreItem>
 </file>
--- a/5 - Logistic Regression/Odds and Probability.pptx
+++ b/5 - Logistic Regression/Odds and Probability.pptx
@@ -54,7 +54,7 @@
     <p:sldId id="495" r:id="rId48"/>
     <p:sldId id="496" r:id="rId49"/>
     <p:sldId id="497" r:id="rId50"/>
-    <p:sldId id="498" r:id="rId51"/>
+    <p:sldId id="523" r:id="rId51"/>
     <p:sldId id="499" r:id="rId52"/>
     <p:sldId id="501" r:id="rId53"/>
     <p:sldId id="502" r:id="rId54"/>
@@ -262,7 +262,7 @@
           <a:p>
             <a:fld id="{F666E1FD-E7A0-497B-BBC0-740BAAC97C64}" type="datetimeFigureOut">
               <a:rPr lang="en-PH" smtClean="0"/>
-              <a:t>9/23/24</a:t>
+              <a:t>28/08/2025</a:t>
             </a:fld>
             <a:endParaRPr lang="en-PH"/>
           </a:p>
@@ -3979,7 +3979,13 @@
   <p:cSld>
     <p:spTree>
       <p:nvGrpSpPr>
-        <p:cNvPr id="1" name=""/>
+        <p:cNvPr id="1" name="">
+          <a:extLst>
+            <a:ext uri="{FF2B5EF4-FFF2-40B4-BE49-F238E27FC236}">
+              <a16:creationId xmlns:a16="http://schemas.microsoft.com/office/drawing/2014/main" id="{D1CE6D58-3AF1-92E7-B8BC-A90B2F272460}"/>
+            </a:ext>
+          </a:extLst>
+        </p:cNvPr>
         <p:cNvGrpSpPr/>
         <p:nvPr/>
       </p:nvGrpSpPr>
@@ -3993,7 +3999,13 @@
       </p:grpSpPr>
       <p:sp>
         <p:nvSpPr>
-          <p:cNvPr id="2" name="Slide Image Placeholder 1"/>
+          <p:cNvPr id="2" name="Slide Image Placeholder 1">
+            <a:extLst>
+              <a:ext uri="{FF2B5EF4-FFF2-40B4-BE49-F238E27FC236}">
+                <a16:creationId xmlns:a16="http://schemas.microsoft.com/office/drawing/2014/main" id="{7C4DA93F-CCA1-9EFE-EC91-0446F5718A48}"/>
+              </a:ext>
+            </a:extLst>
+          </p:cNvPr>
           <p:cNvSpPr>
             <a:spLocks noGrp="1" noRot="1" noChangeAspect="1"/>
           </p:cNvSpPr>
@@ -4005,7 +4017,13 @@
       </p:sp>
       <p:sp>
         <p:nvSpPr>
-          <p:cNvPr id="3" name="Notes Placeholder 2"/>
+          <p:cNvPr id="3" name="Notes Placeholder 2">
+            <a:extLst>
+              <a:ext uri="{FF2B5EF4-FFF2-40B4-BE49-F238E27FC236}">
+                <a16:creationId xmlns:a16="http://schemas.microsoft.com/office/drawing/2014/main" id="{07EEEF9B-3235-D518-39C8-430681EC34D3}"/>
+              </a:ext>
+            </a:extLst>
+          </p:cNvPr>
           <p:cNvSpPr>
             <a:spLocks noGrp="1"/>
           </p:cNvSpPr>
@@ -4024,7 +4042,13 @@
       </p:sp>
       <p:sp>
         <p:nvSpPr>
-          <p:cNvPr id="4" name="Slide Number Placeholder 3"/>
+          <p:cNvPr id="4" name="Slide Number Placeholder 3">
+            <a:extLst>
+              <a:ext uri="{FF2B5EF4-FFF2-40B4-BE49-F238E27FC236}">
+                <a16:creationId xmlns:a16="http://schemas.microsoft.com/office/drawing/2014/main" id="{0EEF6271-EB51-4223-4A99-56D7DF503843}"/>
+              </a:ext>
+            </a:extLst>
+          </p:cNvPr>
           <p:cNvSpPr>
             <a:spLocks noGrp="1"/>
           </p:cNvSpPr>
@@ -4048,7 +4072,7 @@
     </p:spTree>
     <p:extLst>
       <p:ext uri="{BB962C8B-B14F-4D97-AF65-F5344CB8AC3E}">
-        <p14:creationId xmlns:p14="http://schemas.microsoft.com/office/powerpoint/2010/main" val="3378497209"/>
+        <p14:creationId xmlns:p14="http://schemas.microsoft.com/office/powerpoint/2010/main" val="853958000"/>
       </p:ext>
     </p:extLst>
   </p:cSld>
@@ -5551,7 +5575,7 @@
           <a:p>
             <a:fld id="{0A6B5ABE-C04B-9E45-B7F8-C552B4C8BEA7}" type="datetime1">
               <a:rPr lang="en-PH" smtClean="0"/>
-              <a:t>9/23/24</a:t>
+              <a:t>28/08/2025</a:t>
             </a:fld>
             <a:endParaRPr lang="en-PH"/>
           </a:p>
@@ -5754,7 +5778,7 @@
           <a:p>
             <a:fld id="{7325A457-8FDE-EC48-8D78-6E825839CD95}" type="datetime1">
               <a:rPr lang="en-PH" smtClean="0"/>
-              <a:t>9/23/24</a:t>
+              <a:t>28/08/2025</a:t>
             </a:fld>
             <a:endParaRPr lang="en-PH"/>
           </a:p>
@@ -5967,7 +5991,7 @@
           <a:p>
             <a:fld id="{7D0D2B71-89F1-1B41-8520-07265131CD6F}" type="datetime1">
               <a:rPr lang="en-PH" smtClean="0"/>
-              <a:t>9/23/24</a:t>
+              <a:t>28/08/2025</a:t>
             </a:fld>
             <a:endParaRPr lang="en-PH"/>
           </a:p>
@@ -6170,7 +6194,7 @@
           <a:p>
             <a:fld id="{E37BB272-73C9-494A-AF1B-35582C7763FD}" type="datetime1">
               <a:rPr lang="en-PH" smtClean="0"/>
-              <a:t>9/23/24</a:t>
+              <a:t>28/08/2025</a:t>
             </a:fld>
             <a:endParaRPr lang="en-PH"/>
           </a:p>
@@ -6449,7 +6473,7 @@
           <a:p>
             <a:fld id="{00821449-D51A-F345-BA01-D3DF4CA4D27C}" type="datetime1">
               <a:rPr lang="en-PH" smtClean="0"/>
-              <a:t>9/23/24</a:t>
+              <a:t>28/08/2025</a:t>
             </a:fld>
             <a:endParaRPr lang="en-PH"/>
           </a:p>
@@ -6720,7 +6744,7 @@
           <a:p>
             <a:fld id="{AFB23440-5452-D343-8A06-08527EA413C0}" type="datetime1">
               <a:rPr lang="en-PH" smtClean="0"/>
-              <a:t>9/23/24</a:t>
+              <a:t>28/08/2025</a:t>
             </a:fld>
             <a:endParaRPr lang="en-PH"/>
           </a:p>
@@ -7138,7 +7162,7 @@
           <a:p>
             <a:fld id="{5A7E670F-37FA-4A4D-9891-800FD18F253C}" type="datetime1">
               <a:rPr lang="en-PH" smtClean="0"/>
-              <a:t>9/23/24</a:t>
+              <a:t>28/08/2025</a:t>
             </a:fld>
             <a:endParaRPr lang="en-PH"/>
           </a:p>
@@ -7283,7 +7307,7 @@
           <a:p>
             <a:fld id="{A86F6BAB-616B-AB47-957E-E1676E2F5090}" type="datetime1">
               <a:rPr lang="en-PH" smtClean="0"/>
-              <a:t>9/23/24</a:t>
+              <a:t>28/08/2025</a:t>
             </a:fld>
             <a:endParaRPr lang="en-PH"/>
           </a:p>
@@ -7399,7 +7423,7 @@
           <a:p>
             <a:fld id="{917C2DE5-3D0B-EE43-9D27-18C511AD36EA}" type="datetime1">
               <a:rPr lang="en-PH" smtClean="0"/>
-              <a:t>9/23/24</a:t>
+              <a:t>28/08/2025</a:t>
             </a:fld>
             <a:endParaRPr lang="en-PH"/>
           </a:p>
@@ -7715,7 +7739,7 @@
           <a:p>
             <a:fld id="{92C5A091-FDC0-C84E-BBD9-5D9B68627BE9}" type="datetime1">
               <a:rPr lang="en-PH" smtClean="0"/>
-              <a:t>9/23/24</a:t>
+              <a:t>28/08/2025</a:t>
             </a:fld>
             <a:endParaRPr lang="en-PH"/>
           </a:p>
@@ -8007,7 +8031,7 @@
           <a:p>
             <a:fld id="{3879EA6E-C7AC-9B4C-A98F-BBAA7A99420D}" type="datetime1">
               <a:rPr lang="en-PH" smtClean="0"/>
-              <a:t>9/23/24</a:t>
+              <a:t>28/08/2025</a:t>
             </a:fld>
             <a:endParaRPr lang="en-PH"/>
           </a:p>
@@ -8253,7 +8277,7 @@
           <a:p>
             <a:fld id="{73ECB854-F2BB-374D-A973-810BB65B8002}" type="datetime1">
               <a:rPr lang="en-PH" smtClean="0"/>
-              <a:t>9/23/24</a:t>
+              <a:t>28/08/2025</a:t>
             </a:fld>
             <a:endParaRPr lang="en-PH"/>
           </a:p>
@@ -10282,6 +10306,9 @@
           <a:prstGeom prst="ellipse">
             <a:avLst/>
           </a:prstGeom>
+          <a:solidFill>
+            <a:srgbClr val="00B050"/>
+          </a:solidFill>
         </p:spPr>
         <p:style>
           <a:lnRef idx="2">
@@ -10650,6 +10677,9 @@
           <a:prstGeom prst="ellipse">
             <a:avLst/>
           </a:prstGeom>
+          <a:solidFill>
+            <a:srgbClr val="00B050"/>
+          </a:solidFill>
         </p:spPr>
         <p:style>
           <a:lnRef idx="2">
@@ -11054,6 +11084,9 @@
           <a:prstGeom prst="ellipse">
             <a:avLst/>
           </a:prstGeom>
+          <a:solidFill>
+            <a:srgbClr val="00B050"/>
+          </a:solidFill>
           <a:ln>
             <a:solidFill>
               <a:srgbClr val="0070C0"/>
@@ -11317,7 +11350,7 @@
             <a:r>
               <a:rPr lang="en-PH" sz="3200" b="1" dirty="0">
                 <a:solidFill>
-                  <a:srgbClr val="0070C0"/>
+                  <a:srgbClr val="00B050"/>
                 </a:solidFill>
               </a:rPr>
               <a:t>win! </a:t>
@@ -11325,7 +11358,7 @@
             <a:r>
               <a:rPr lang="en-PH" sz="3200" b="1" dirty="0">
                 <a:solidFill>
-                  <a:srgbClr val="0070C0"/>
+                  <a:srgbClr val="00B050"/>
                 </a:solidFill>
                 <a:sym typeface="Wingdings" pitchFamily="2" charset="2"/>
               </a:rPr>
@@ -11333,7 +11366,7 @@
             </a:r>
             <a:endParaRPr lang="en-PH" sz="3200" b="1" dirty="0">
               <a:solidFill>
-                <a:srgbClr val="0070C0"/>
+                <a:srgbClr val="00B050"/>
               </a:solidFill>
             </a:endParaRPr>
           </a:p>
@@ -11815,6 +11848,9 @@
           <a:prstGeom prst="ellipse">
             <a:avLst/>
           </a:prstGeom>
+          <a:solidFill>
+            <a:srgbClr val="00B050"/>
+          </a:solidFill>
           <a:ln>
             <a:solidFill>
               <a:srgbClr val="0070C0"/>
@@ -12246,6 +12282,9 @@
           <a:prstGeom prst="ellipse">
             <a:avLst/>
           </a:prstGeom>
+          <a:solidFill>
+            <a:srgbClr val="00B050"/>
+          </a:solidFill>
           <a:ln>
             <a:solidFill>
               <a:srgbClr val="0070C0"/>
@@ -12737,6 +12776,9 @@
           <a:prstGeom prst="ellipse">
             <a:avLst/>
           </a:prstGeom>
+          <a:solidFill>
+            <a:srgbClr val="00B050"/>
+          </a:solidFill>
           <a:ln>
             <a:solidFill>
               <a:srgbClr val="0070C0"/>
@@ -13008,7 +13050,7 @@
             <a:r>
               <a:rPr lang="en-GB" sz="3200" b="1" dirty="0">
                 <a:solidFill>
-                  <a:srgbClr val="0070C0"/>
+                  <a:srgbClr val="00B050"/>
                 </a:solidFill>
               </a:rPr>
               <a:t>win</a:t>
@@ -13230,6 +13272,9 @@
           <a:prstGeom prst="ellipse">
             <a:avLst/>
           </a:prstGeom>
+          <a:solidFill>
+            <a:srgbClr val="00B050"/>
+          </a:solidFill>
           <a:ln>
             <a:solidFill>
               <a:srgbClr val="0070C0"/>
@@ -13854,6 +13899,9 @@
           <a:prstGeom prst="ellipse">
             <a:avLst/>
           </a:prstGeom>
+          <a:solidFill>
+            <a:srgbClr val="00B050"/>
+          </a:solidFill>
           <a:ln>
             <a:solidFill>
               <a:srgbClr val="0070C0"/>
@@ -14260,7 +14308,7 @@
             <a:r>
               <a:rPr lang="en-GB" sz="3200" b="1" dirty="0">
                 <a:solidFill>
-                  <a:srgbClr val="0070C0"/>
+                  <a:srgbClr val="00B050"/>
                 </a:solidFill>
               </a:rPr>
               <a:t>winning</a:t>
@@ -14419,6 +14467,9 @@
           <a:prstGeom prst="ellipse">
             <a:avLst/>
           </a:prstGeom>
+          <a:solidFill>
+            <a:srgbClr val="00B050"/>
+          </a:solidFill>
           <a:ln>
             <a:solidFill>
               <a:srgbClr val="0070C0"/>
@@ -14682,7 +14733,7 @@
             <a:r>
               <a:rPr lang="en-GB" sz="3200" b="1" dirty="0">
                 <a:solidFill>
-                  <a:srgbClr val="0070C0"/>
+                  <a:srgbClr val="00B050"/>
                 </a:solidFill>
               </a:rPr>
               <a:t>winning</a:t>
@@ -14833,7 +14884,7 @@
             <a:r>
               <a:rPr lang="en-GB" sz="3200" b="1" dirty="0">
                 <a:solidFill>
-                  <a:srgbClr val="0070C0"/>
+                  <a:srgbClr val="00B050"/>
                 </a:solidFill>
               </a:rPr>
               <a:t>winning</a:t>
@@ -14866,6 +14917,9 @@
           <a:prstGeom prst="ellipse">
             <a:avLst/>
           </a:prstGeom>
+          <a:solidFill>
+            <a:srgbClr val="00B050"/>
+          </a:solidFill>
           <a:ln>
             <a:solidFill>
               <a:srgbClr val="0070C0"/>
@@ -15043,6 +15097,9 @@
           <a:prstGeom prst="ellipse">
             <a:avLst/>
           </a:prstGeom>
+          <a:solidFill>
+            <a:srgbClr val="00B050"/>
+          </a:solidFill>
           <a:ln>
             <a:solidFill>
               <a:srgbClr val="0070C0"/>
@@ -15322,7 +15379,7 @@
             <a:r>
               <a:rPr lang="en-GB" sz="3200" b="1" dirty="0">
                 <a:solidFill>
-                  <a:srgbClr val="0070C0"/>
+                  <a:srgbClr val="00B050"/>
                 </a:solidFill>
               </a:rPr>
               <a:t>winning</a:t>
@@ -15710,7 +15767,7 @@
             <a:r>
               <a:rPr lang="en-GB" sz="3200" b="1" dirty="0">
                 <a:solidFill>
-                  <a:srgbClr val="0070C0"/>
+                  <a:srgbClr val="00B050"/>
                 </a:solidFill>
               </a:rPr>
               <a:t>winning</a:t>
@@ -15870,6 +15927,9 @@
           <a:prstGeom prst="ellipse">
             <a:avLst/>
           </a:prstGeom>
+          <a:solidFill>
+            <a:srgbClr val="00B050"/>
+          </a:solidFill>
           <a:ln>
             <a:solidFill>
               <a:srgbClr val="0070C0"/>
@@ -16160,6 +16220,9 @@
           <a:prstGeom prst="ellipse">
             <a:avLst/>
           </a:prstGeom>
+          <a:solidFill>
+            <a:srgbClr val="00B050"/>
+          </a:solidFill>
           <a:ln>
             <a:solidFill>
               <a:srgbClr val="0070C0"/>
@@ -16795,6 +16858,9 @@
           <a:prstGeom prst="ellipse">
             <a:avLst/>
           </a:prstGeom>
+          <a:solidFill>
+            <a:srgbClr val="00B050"/>
+          </a:solidFill>
           <a:ln>
             <a:solidFill>
               <a:srgbClr val="0070C0"/>
@@ -19362,6 +19428,9 @@
             <a:prstGeom prst="ellipse">
               <a:avLst/>
             </a:prstGeom>
+            <a:solidFill>
+              <a:srgbClr val="00B050"/>
+            </a:solidFill>
             <a:ln>
               <a:solidFill>
                 <a:srgbClr val="0070C0"/>
@@ -19895,8 +19964,8 @@
           </a:p>
         </p:txBody>
       </p:sp>
-      <mc:AlternateContent xmlns:mc="http://schemas.openxmlformats.org/markup-compatibility/2006" xmlns:a14="http://schemas.microsoft.com/office/drawing/2010/main">
-        <mc:Choice Requires="a14">
+      <mc:AlternateContent xmlns:mc="http://schemas.openxmlformats.org/markup-compatibility/2006">
+        <mc:Choice xmlns:a14="http://schemas.microsoft.com/office/drawing/2010/main" Requires="a14">
           <p:sp>
             <p:nvSpPr>
               <p:cNvPr id="9" name="TextBox 8">
@@ -20021,7 +20090,7 @@
                           <m:r>
                             <a:rPr lang="en-GB" sz="4000" b="1" i="1" smtClean="0">
                               <a:solidFill>
-                                <a:srgbClr val="0070C0"/>
+                                <a:srgbClr val="00B050"/>
                               </a:solidFill>
                               <a:latin typeface="Cambria Math" panose="02040503050406030204" pitchFamily="18" charset="0"/>
                             </a:rPr>
@@ -20108,7 +20177,7 @@
             </p:txBody>
           </p:sp>
         </mc:Choice>
-        <mc:Fallback xmlns="">
+        <mc:Fallback>
           <p:sp>
             <p:nvSpPr>
               <p:cNvPr id="9" name="TextBox 8">
@@ -20134,7 +20203,7 @@
               <a:blipFill>
                 <a:blip r:embed="rId4"/>
                 <a:stretch>
-                  <a:fillRect l="-487" t="-2679" r="-1095" b="-11607"/>
+                  <a:fillRect/>
                 </a:stretch>
               </a:blipFill>
               <a:ln w="38100">
@@ -20148,7 +20217,7 @@
               <a:lstStyle/>
               <a:p>
                 <a:r>
-                  <a:rPr lang="en-US">
+                  <a:rPr lang="en-PH">
                     <a:noFill/>
                   </a:rPr>
                   <a:t> </a:t>
@@ -20609,8 +20678,8 @@
           </p:sp>
         </mc:Fallback>
       </mc:AlternateContent>
-      <mc:AlternateContent xmlns:mc="http://schemas.openxmlformats.org/markup-compatibility/2006" xmlns:a14="http://schemas.microsoft.com/office/drawing/2010/main">
-        <mc:Choice Requires="a14">
+      <mc:AlternateContent xmlns:mc="http://schemas.openxmlformats.org/markup-compatibility/2006">
+        <mc:Choice xmlns:a14="http://schemas.microsoft.com/office/drawing/2010/main" Requires="a14">
           <p:sp>
             <p:nvSpPr>
               <p:cNvPr id="9" name="TextBox 8">
@@ -20735,7 +20804,7 @@
                           <m:r>
                             <a:rPr lang="en-GB" sz="3000" b="1" i="1" smtClean="0">
                               <a:solidFill>
-                                <a:srgbClr val="0070C0"/>
+                                <a:srgbClr val="00B050"/>
                               </a:solidFill>
                               <a:latin typeface="Cambria Math" panose="02040503050406030204" pitchFamily="18" charset="0"/>
                             </a:rPr>
@@ -20822,7 +20891,7 @@
             </p:txBody>
           </p:sp>
         </mc:Choice>
-        <mc:Fallback xmlns="">
+        <mc:Fallback>
           <p:sp>
             <p:nvSpPr>
               <p:cNvPr id="9" name="TextBox 8">
@@ -20848,7 +20917,7 @@
               <a:blipFill>
                 <a:blip r:embed="rId6"/>
                 <a:stretch>
-                  <a:fillRect r="-159" b="-10345"/>
+                  <a:fillRect/>
                 </a:stretch>
               </a:blipFill>
               <a:ln w="38100">
@@ -20862,7 +20931,7 @@
               <a:lstStyle/>
               <a:p>
                 <a:r>
-                  <a:rPr lang="en-US">
+                  <a:rPr lang="en-PH">
                     <a:noFill/>
                   </a:rPr>
                   <a:t> </a:t>
@@ -21801,8 +21870,8 @@
           </a:p>
         </p:txBody>
       </p:sp>
-      <mc:AlternateContent xmlns:mc="http://schemas.openxmlformats.org/markup-compatibility/2006" xmlns:a14="http://schemas.microsoft.com/office/drawing/2010/main">
-        <mc:Choice Requires="a14">
+      <mc:AlternateContent xmlns:mc="http://schemas.openxmlformats.org/markup-compatibility/2006">
+        <mc:Choice xmlns:a14="http://schemas.microsoft.com/office/drawing/2010/main" Requires="a14">
           <p:sp>
             <p:nvSpPr>
               <p:cNvPr id="3" name="TextBox 2">
@@ -21927,7 +21996,7 @@
                           <m:r>
                             <a:rPr lang="en-GB" sz="3000" b="1" i="1" smtClean="0">
                               <a:solidFill>
-                                <a:srgbClr val="0070C0"/>
+                                <a:srgbClr val="00B050"/>
                               </a:solidFill>
                               <a:latin typeface="Cambria Math" panose="02040503050406030204" pitchFamily="18" charset="0"/>
                             </a:rPr>
@@ -22014,7 +22083,7 @@
             </p:txBody>
           </p:sp>
         </mc:Choice>
-        <mc:Fallback xmlns="">
+        <mc:Fallback>
           <p:sp>
             <p:nvSpPr>
               <p:cNvPr id="3" name="TextBox 2">
@@ -22040,7 +22109,7 @@
               <a:blipFill>
                 <a:blip r:embed="rId4"/>
                 <a:stretch>
-                  <a:fillRect t="-1163" r="-481" b="-11628"/>
+                  <a:fillRect/>
                 </a:stretch>
               </a:blipFill>
               <a:ln w="38100">
@@ -22054,7 +22123,7 @@
               <a:lstStyle/>
               <a:p>
                 <a:r>
-                  <a:rPr lang="en-US">
+                  <a:rPr lang="en-PH">
                     <a:noFill/>
                   </a:rPr>
                   <a:t> </a:t>
@@ -22653,8 +22722,8 @@
           </p:sp>
         </mc:Fallback>
       </mc:AlternateContent>
-      <mc:AlternateContent xmlns:mc="http://schemas.openxmlformats.org/markup-compatibility/2006" xmlns:a14="http://schemas.microsoft.com/office/drawing/2010/main">
-        <mc:Choice Requires="a14">
+      <mc:AlternateContent xmlns:mc="http://schemas.openxmlformats.org/markup-compatibility/2006">
+        <mc:Choice xmlns:a14="http://schemas.microsoft.com/office/drawing/2010/main" Requires="a14">
           <p:sp>
             <p:nvSpPr>
               <p:cNvPr id="6" name="TextBox 5">
@@ -22705,7 +22774,7 @@
                 <a:r>
                   <a:rPr lang="en-PH" sz="3200" b="1" dirty="0">
                     <a:solidFill>
-                      <a:srgbClr val="0070C0"/>
+                      <a:srgbClr val="00B050"/>
                     </a:solidFill>
                   </a:rPr>
                   <a:t>winning</a:t>
@@ -22714,7 +22783,7 @@
             </p:txBody>
           </p:sp>
         </mc:Choice>
-        <mc:Fallback xmlns="">
+        <mc:Fallback>
           <p:sp>
             <p:nvSpPr>
               <p:cNvPr id="6" name="TextBox 5">
@@ -22740,7 +22809,7 @@
               <a:blipFill>
                 <a:blip r:embed="rId5"/>
                 <a:stretch>
-                  <a:fillRect l="-190" t="-12766" r="-190" b="-31915"/>
+                  <a:fillRect l="-367" t="-12500" r="-367" b="-34375"/>
                 </a:stretch>
               </a:blipFill>
             </p:spPr>
@@ -22749,7 +22818,7 @@
               <a:lstStyle/>
               <a:p>
                 <a:r>
-                  <a:rPr lang="en-US">
+                  <a:rPr lang="en-PH">
                     <a:noFill/>
                   </a:rPr>
                   <a:t> </a:t>
@@ -23065,6 +23134,9 @@
             <a:prstGeom prst="ellipse">
               <a:avLst/>
             </a:prstGeom>
+            <a:solidFill>
+              <a:srgbClr val="00B050"/>
+            </a:solidFill>
             <a:ln>
               <a:solidFill>
                 <a:srgbClr val="0070C0"/>
@@ -23982,6 +24054,9 @@
             <a:prstGeom prst="ellipse">
               <a:avLst/>
             </a:prstGeom>
+            <a:solidFill>
+              <a:srgbClr val="00B050"/>
+            </a:solidFill>
             <a:ln>
               <a:solidFill>
                 <a:srgbClr val="0070C0"/>
@@ -25094,6 +25169,9 @@
           <a:prstGeom prst="ellipse">
             <a:avLst/>
           </a:prstGeom>
+          <a:solidFill>
+            <a:srgbClr val="00B050"/>
+          </a:solidFill>
           <a:ln>
             <a:solidFill>
               <a:srgbClr val="0070C0"/>
@@ -26428,6 +26506,9 @@
             <a:prstGeom prst="ellipse">
               <a:avLst/>
             </a:prstGeom>
+            <a:solidFill>
+              <a:srgbClr val="00B050"/>
+            </a:solidFill>
             <a:ln>
               <a:solidFill>
                 <a:srgbClr val="0070C0"/>
@@ -27327,6 +27408,9 @@
             <a:prstGeom prst="ellipse">
               <a:avLst/>
             </a:prstGeom>
+            <a:solidFill>
+              <a:srgbClr val="00B050"/>
+            </a:solidFill>
             <a:ln>
               <a:solidFill>
                 <a:srgbClr val="0070C0"/>
@@ -28004,6 +28088,9 @@
             <a:prstGeom prst="ellipse">
               <a:avLst/>
             </a:prstGeom>
+            <a:solidFill>
+              <a:srgbClr val="00B050"/>
+            </a:solidFill>
             <a:ln>
               <a:solidFill>
                 <a:srgbClr val="0070C0"/>
@@ -28769,7 +28856,7 @@
             <a:r>
               <a:rPr lang="en-GB" sz="3200" b="1" dirty="0">
                 <a:solidFill>
-                  <a:srgbClr val="0070C0"/>
+                  <a:srgbClr val="00B050"/>
                 </a:solidFill>
               </a:rPr>
               <a:t>winning</a:t>
@@ -29208,6 +29295,9 @@
             <a:prstGeom prst="ellipse">
               <a:avLst/>
             </a:prstGeom>
+            <a:solidFill>
+              <a:srgbClr val="00B050"/>
+            </a:solidFill>
             <a:ln>
               <a:solidFill>
                 <a:srgbClr val="0070C0"/>
@@ -30107,6 +30197,9 @@
             <a:prstGeom prst="ellipse">
               <a:avLst/>
             </a:prstGeom>
+            <a:solidFill>
+              <a:srgbClr val="00B050"/>
+            </a:solidFill>
             <a:ln>
               <a:solidFill>
                 <a:srgbClr val="0070C0"/>
@@ -30784,6 +30877,9 @@
             <a:prstGeom prst="ellipse">
               <a:avLst/>
             </a:prstGeom>
+            <a:solidFill>
+              <a:srgbClr val="00B050"/>
+            </a:solidFill>
             <a:ln>
               <a:solidFill>
                 <a:srgbClr val="0070C0"/>
@@ -31537,7 +31633,7 @@
             <a:r>
               <a:rPr lang="en-GB" sz="3200" b="1" dirty="0">
                 <a:solidFill>
-                  <a:srgbClr val="0070C0"/>
+                  <a:srgbClr val="00B050"/>
                 </a:solidFill>
               </a:rPr>
               <a:t>winning</a:t>
@@ -31794,6 +31890,9 @@
           <a:prstGeom prst="ellipse">
             <a:avLst/>
           </a:prstGeom>
+          <a:solidFill>
+            <a:srgbClr val="00B050"/>
+          </a:solidFill>
           <a:ln>
             <a:solidFill>
               <a:srgbClr val="0070C0"/>
@@ -32205,6 +32304,9 @@
           <a:prstGeom prst="ellipse">
             <a:avLst/>
           </a:prstGeom>
+          <a:solidFill>
+            <a:srgbClr val="00B050"/>
+          </a:solidFill>
           <a:ln>
             <a:solidFill>
               <a:srgbClr val="0070C0"/>
@@ -32256,6 +32358,9 @@
           <a:prstGeom prst="ellipse">
             <a:avLst/>
           </a:prstGeom>
+          <a:solidFill>
+            <a:srgbClr val="00B050"/>
+          </a:solidFill>
           <a:ln>
             <a:solidFill>
               <a:srgbClr val="0070C0"/>
@@ -32307,6 +32412,9 @@
           <a:prstGeom prst="ellipse">
             <a:avLst/>
           </a:prstGeom>
+          <a:solidFill>
+            <a:srgbClr val="00B050"/>
+          </a:solidFill>
           <a:ln>
             <a:solidFill>
               <a:srgbClr val="0070C0"/>
@@ -32624,6 +32732,9 @@
           <a:prstGeom prst="ellipse">
             <a:avLst/>
           </a:prstGeom>
+          <a:solidFill>
+            <a:srgbClr val="00B050"/>
+          </a:solidFill>
           <a:ln>
             <a:solidFill>
               <a:srgbClr val="0070C0"/>
@@ -33035,6 +33146,9 @@
           <a:prstGeom prst="ellipse">
             <a:avLst/>
           </a:prstGeom>
+          <a:solidFill>
+            <a:srgbClr val="00B050"/>
+          </a:solidFill>
           <a:ln>
             <a:solidFill>
               <a:srgbClr val="0070C0"/>
@@ -33086,6 +33200,9 @@
           <a:prstGeom prst="ellipse">
             <a:avLst/>
           </a:prstGeom>
+          <a:solidFill>
+            <a:srgbClr val="00B050"/>
+          </a:solidFill>
           <a:ln>
             <a:solidFill>
               <a:srgbClr val="0070C0"/>
@@ -33137,6 +33254,9 @@
           <a:prstGeom prst="ellipse">
             <a:avLst/>
           </a:prstGeom>
+          <a:solidFill>
+            <a:srgbClr val="00B050"/>
+          </a:solidFill>
           <a:ln>
             <a:solidFill>
               <a:srgbClr val="0070C0"/>
@@ -33188,6 +33308,9 @@
           <a:prstGeom prst="ellipse">
             <a:avLst/>
           </a:prstGeom>
+          <a:solidFill>
+            <a:srgbClr val="00B050"/>
+          </a:solidFill>
           <a:ln>
             <a:solidFill>
               <a:srgbClr val="0070C0"/>
@@ -33239,6 +33362,9 @@
           <a:prstGeom prst="ellipse">
             <a:avLst/>
           </a:prstGeom>
+          <a:solidFill>
+            <a:srgbClr val="00B050"/>
+          </a:solidFill>
           <a:ln>
             <a:solidFill>
               <a:srgbClr val="0070C0"/>
@@ -33290,6 +33416,9 @@
           <a:prstGeom prst="ellipse">
             <a:avLst/>
           </a:prstGeom>
+          <a:solidFill>
+            <a:srgbClr val="00B050"/>
+          </a:solidFill>
           <a:ln>
             <a:solidFill>
               <a:srgbClr val="0070C0"/>
@@ -33341,6 +33470,9 @@
           <a:prstGeom prst="ellipse">
             <a:avLst/>
           </a:prstGeom>
+          <a:solidFill>
+            <a:srgbClr val="00B050"/>
+          </a:solidFill>
           <a:ln>
             <a:solidFill>
               <a:srgbClr val="0070C0"/>
@@ -33848,6 +33980,9 @@
             <a:prstGeom prst="ellipse">
               <a:avLst/>
             </a:prstGeom>
+            <a:solidFill>
+              <a:srgbClr val="00B050"/>
+            </a:solidFill>
             <a:ln>
               <a:solidFill>
                 <a:srgbClr val="0070C0"/>
@@ -34089,6 +34224,9 @@
             <a:prstGeom prst="ellipse">
               <a:avLst/>
             </a:prstGeom>
+            <a:solidFill>
+              <a:srgbClr val="00B050"/>
+            </a:solidFill>
             <a:ln>
               <a:solidFill>
                 <a:srgbClr val="0070C0"/>
@@ -34140,6 +34278,9 @@
             <a:prstGeom prst="ellipse">
               <a:avLst/>
             </a:prstGeom>
+            <a:solidFill>
+              <a:srgbClr val="00B050"/>
+            </a:solidFill>
             <a:ln>
               <a:solidFill>
                 <a:srgbClr val="0070C0"/>
@@ -34191,6 +34332,9 @@
             <a:prstGeom prst="ellipse">
               <a:avLst/>
             </a:prstGeom>
+            <a:solidFill>
+              <a:srgbClr val="00B050"/>
+            </a:solidFill>
             <a:ln>
               <a:solidFill>
                 <a:srgbClr val="0070C0"/>
@@ -34242,6 +34386,9 @@
             <a:prstGeom prst="ellipse">
               <a:avLst/>
             </a:prstGeom>
+            <a:solidFill>
+              <a:srgbClr val="00B050"/>
+            </a:solidFill>
             <a:ln>
               <a:solidFill>
                 <a:srgbClr val="0070C0"/>
@@ -34293,6 +34440,9 @@
             <a:prstGeom prst="ellipse">
               <a:avLst/>
             </a:prstGeom>
+            <a:solidFill>
+              <a:srgbClr val="00B050"/>
+            </a:solidFill>
             <a:ln>
               <a:solidFill>
                 <a:srgbClr val="0070C0"/>
@@ -34344,6 +34494,9 @@
             <a:prstGeom prst="ellipse">
               <a:avLst/>
             </a:prstGeom>
+            <a:solidFill>
+              <a:srgbClr val="00B050"/>
+            </a:solidFill>
             <a:ln>
               <a:solidFill>
                 <a:srgbClr val="0070C0"/>
@@ -34395,6 +34548,9 @@
             <a:prstGeom prst="ellipse">
               <a:avLst/>
             </a:prstGeom>
+            <a:solidFill>
+              <a:srgbClr val="00B050"/>
+            </a:solidFill>
             <a:ln>
               <a:solidFill>
                 <a:srgbClr val="0070C0"/>
@@ -34446,6 +34602,9 @@
             <a:prstGeom prst="ellipse">
               <a:avLst/>
             </a:prstGeom>
+            <a:solidFill>
+              <a:srgbClr val="00B050"/>
+            </a:solidFill>
             <a:ln>
               <a:solidFill>
                 <a:srgbClr val="0070C0"/>
@@ -34497,6 +34656,9 @@
             <a:prstGeom prst="ellipse">
               <a:avLst/>
             </a:prstGeom>
+            <a:solidFill>
+              <a:srgbClr val="00B050"/>
+            </a:solidFill>
             <a:ln>
               <a:solidFill>
                 <a:srgbClr val="0070C0"/>
@@ -34548,6 +34710,9 @@
             <a:prstGeom prst="ellipse">
               <a:avLst/>
             </a:prstGeom>
+            <a:solidFill>
+              <a:srgbClr val="00B050"/>
+            </a:solidFill>
             <a:ln>
               <a:solidFill>
                 <a:srgbClr val="0070C0"/>
@@ -34599,6 +34764,9 @@
             <a:prstGeom prst="ellipse">
               <a:avLst/>
             </a:prstGeom>
+            <a:solidFill>
+              <a:srgbClr val="00B050"/>
+            </a:solidFill>
             <a:ln>
               <a:solidFill>
                 <a:srgbClr val="0070C0"/>
@@ -34650,6 +34818,9 @@
             <a:prstGeom prst="ellipse">
               <a:avLst/>
             </a:prstGeom>
+            <a:solidFill>
+              <a:srgbClr val="00B050"/>
+            </a:solidFill>
             <a:ln>
               <a:solidFill>
                 <a:srgbClr val="0070C0"/>
@@ -34701,6 +34872,9 @@
             <a:prstGeom prst="ellipse">
               <a:avLst/>
             </a:prstGeom>
+            <a:solidFill>
+              <a:srgbClr val="00B050"/>
+            </a:solidFill>
             <a:ln>
               <a:solidFill>
                 <a:srgbClr val="0070C0"/>
@@ -34752,6 +34926,9 @@
             <a:prstGeom prst="ellipse">
               <a:avLst/>
             </a:prstGeom>
+            <a:solidFill>
+              <a:srgbClr val="00B050"/>
+            </a:solidFill>
             <a:ln>
               <a:solidFill>
                 <a:srgbClr val="0070C0"/>
@@ -34803,6 +34980,9 @@
             <a:prstGeom prst="ellipse">
               <a:avLst/>
             </a:prstGeom>
+            <a:solidFill>
+              <a:srgbClr val="00B050"/>
+            </a:solidFill>
             <a:ln>
               <a:solidFill>
                 <a:srgbClr val="0070C0"/>
@@ -35141,6 +35321,9 @@
             <a:prstGeom prst="ellipse">
               <a:avLst/>
             </a:prstGeom>
+            <a:solidFill>
+              <a:srgbClr val="00B050"/>
+            </a:solidFill>
             <a:ln>
               <a:solidFill>
                 <a:srgbClr val="0070C0"/>
@@ -35382,6 +35565,9 @@
             <a:prstGeom prst="ellipse">
               <a:avLst/>
             </a:prstGeom>
+            <a:solidFill>
+              <a:srgbClr val="00B050"/>
+            </a:solidFill>
             <a:ln>
               <a:solidFill>
                 <a:srgbClr val="0070C0"/>
@@ -35433,6 +35619,9 @@
             <a:prstGeom prst="ellipse">
               <a:avLst/>
             </a:prstGeom>
+            <a:solidFill>
+              <a:srgbClr val="00B050"/>
+            </a:solidFill>
             <a:ln>
               <a:solidFill>
                 <a:srgbClr val="0070C0"/>
@@ -35484,6 +35673,9 @@
             <a:prstGeom prst="ellipse">
               <a:avLst/>
             </a:prstGeom>
+            <a:solidFill>
+              <a:srgbClr val="00B050"/>
+            </a:solidFill>
             <a:ln>
               <a:solidFill>
                 <a:srgbClr val="0070C0"/>
@@ -35556,6 +35748,9 @@
             <a:prstGeom prst="ellipse">
               <a:avLst/>
             </a:prstGeom>
+            <a:solidFill>
+              <a:srgbClr val="00B050"/>
+            </a:solidFill>
             <a:ln>
               <a:solidFill>
                 <a:srgbClr val="0070C0"/>
@@ -35797,6 +35992,9 @@
             <a:prstGeom prst="ellipse">
               <a:avLst/>
             </a:prstGeom>
+            <a:solidFill>
+              <a:srgbClr val="00B050"/>
+            </a:solidFill>
             <a:ln>
               <a:solidFill>
                 <a:srgbClr val="0070C0"/>
@@ -35848,6 +36046,9 @@
             <a:prstGeom prst="ellipse">
               <a:avLst/>
             </a:prstGeom>
+            <a:solidFill>
+              <a:srgbClr val="00B050"/>
+            </a:solidFill>
             <a:ln>
               <a:solidFill>
                 <a:srgbClr val="0070C0"/>
@@ -35899,6 +36100,9 @@
             <a:prstGeom prst="ellipse">
               <a:avLst/>
             </a:prstGeom>
+            <a:solidFill>
+              <a:srgbClr val="00B050"/>
+            </a:solidFill>
             <a:ln>
               <a:solidFill>
                 <a:srgbClr val="0070C0"/>
@@ -35950,6 +36154,9 @@
             <a:prstGeom prst="ellipse">
               <a:avLst/>
             </a:prstGeom>
+            <a:solidFill>
+              <a:srgbClr val="00B050"/>
+            </a:solidFill>
             <a:ln>
               <a:solidFill>
                 <a:srgbClr val="0070C0"/>
@@ -36001,6 +36208,9 @@
             <a:prstGeom prst="ellipse">
               <a:avLst/>
             </a:prstGeom>
+            <a:solidFill>
+              <a:srgbClr val="00B050"/>
+            </a:solidFill>
             <a:ln>
               <a:solidFill>
                 <a:srgbClr val="0070C0"/>
@@ -36052,6 +36262,9 @@
             <a:prstGeom prst="ellipse">
               <a:avLst/>
             </a:prstGeom>
+            <a:solidFill>
+              <a:srgbClr val="00B050"/>
+            </a:solidFill>
             <a:ln>
               <a:solidFill>
                 <a:srgbClr val="0070C0"/>
@@ -36103,6 +36316,9 @@
             <a:prstGeom prst="ellipse">
               <a:avLst/>
             </a:prstGeom>
+            <a:solidFill>
+              <a:srgbClr val="00B050"/>
+            </a:solidFill>
             <a:ln>
               <a:solidFill>
                 <a:srgbClr val="0070C0"/>
@@ -36175,6 +36391,9 @@
             <a:prstGeom prst="ellipse">
               <a:avLst/>
             </a:prstGeom>
+            <a:solidFill>
+              <a:srgbClr val="00B050"/>
+            </a:solidFill>
             <a:ln>
               <a:solidFill>
                 <a:srgbClr val="0070C0"/>
@@ -36416,6 +36635,9 @@
             <a:prstGeom prst="ellipse">
               <a:avLst/>
             </a:prstGeom>
+            <a:solidFill>
+              <a:srgbClr val="00B050"/>
+            </a:solidFill>
             <a:ln>
               <a:solidFill>
                 <a:srgbClr val="0070C0"/>
@@ -36467,6 +36689,9 @@
             <a:prstGeom prst="ellipse">
               <a:avLst/>
             </a:prstGeom>
+            <a:solidFill>
+              <a:srgbClr val="00B050"/>
+            </a:solidFill>
             <a:ln>
               <a:solidFill>
                 <a:srgbClr val="0070C0"/>
@@ -36518,6 +36743,9 @@
             <a:prstGeom prst="ellipse">
               <a:avLst/>
             </a:prstGeom>
+            <a:solidFill>
+              <a:srgbClr val="00B050"/>
+            </a:solidFill>
             <a:ln>
               <a:solidFill>
                 <a:srgbClr val="0070C0"/>
@@ -36569,6 +36797,9 @@
             <a:prstGeom prst="ellipse">
               <a:avLst/>
             </a:prstGeom>
+            <a:solidFill>
+              <a:srgbClr val="00B050"/>
+            </a:solidFill>
             <a:ln>
               <a:solidFill>
                 <a:srgbClr val="0070C0"/>
@@ -36620,6 +36851,9 @@
             <a:prstGeom prst="ellipse">
               <a:avLst/>
             </a:prstGeom>
+            <a:solidFill>
+              <a:srgbClr val="00B050"/>
+            </a:solidFill>
             <a:ln>
               <a:solidFill>
                 <a:srgbClr val="0070C0"/>
@@ -36671,6 +36905,9 @@
             <a:prstGeom prst="ellipse">
               <a:avLst/>
             </a:prstGeom>
+            <a:solidFill>
+              <a:srgbClr val="00B050"/>
+            </a:solidFill>
             <a:ln>
               <a:solidFill>
                 <a:srgbClr val="0070C0"/>
@@ -36722,6 +36959,9 @@
             <a:prstGeom prst="ellipse">
               <a:avLst/>
             </a:prstGeom>
+            <a:solidFill>
+              <a:srgbClr val="00B050"/>
+            </a:solidFill>
             <a:ln>
               <a:solidFill>
                 <a:srgbClr val="0070C0"/>
@@ -36773,6 +37013,9 @@
             <a:prstGeom prst="ellipse">
               <a:avLst/>
             </a:prstGeom>
+            <a:solidFill>
+              <a:srgbClr val="00B050"/>
+            </a:solidFill>
             <a:ln>
               <a:solidFill>
                 <a:srgbClr val="0070C0"/>
@@ -36824,6 +37067,9 @@
             <a:prstGeom prst="ellipse">
               <a:avLst/>
             </a:prstGeom>
+            <a:solidFill>
+              <a:srgbClr val="00B050"/>
+            </a:solidFill>
             <a:ln>
               <a:solidFill>
                 <a:srgbClr val="0070C0"/>
@@ -36875,6 +37121,9 @@
             <a:prstGeom prst="ellipse">
               <a:avLst/>
             </a:prstGeom>
+            <a:solidFill>
+              <a:srgbClr val="00B050"/>
+            </a:solidFill>
             <a:ln>
               <a:solidFill>
                 <a:srgbClr val="0070C0"/>
@@ -36926,6 +37175,9 @@
             <a:prstGeom prst="ellipse">
               <a:avLst/>
             </a:prstGeom>
+            <a:solidFill>
+              <a:srgbClr val="00B050"/>
+            </a:solidFill>
             <a:ln>
               <a:solidFill>
                 <a:srgbClr val="0070C0"/>
@@ -36977,6 +37229,9 @@
             <a:prstGeom prst="ellipse">
               <a:avLst/>
             </a:prstGeom>
+            <a:solidFill>
+              <a:srgbClr val="00B050"/>
+            </a:solidFill>
             <a:ln>
               <a:solidFill>
                 <a:srgbClr val="0070C0"/>
@@ -37028,6 +37283,9 @@
             <a:prstGeom prst="ellipse">
               <a:avLst/>
             </a:prstGeom>
+            <a:solidFill>
+              <a:srgbClr val="00B050"/>
+            </a:solidFill>
             <a:ln>
               <a:solidFill>
                 <a:srgbClr val="0070C0"/>
@@ -37079,6 +37337,9 @@
             <a:prstGeom prst="ellipse">
               <a:avLst/>
             </a:prstGeom>
+            <a:solidFill>
+              <a:srgbClr val="00B050"/>
+            </a:solidFill>
             <a:ln>
               <a:solidFill>
                 <a:srgbClr val="0070C0"/>
@@ -37130,6 +37391,9 @@
             <a:prstGeom prst="ellipse">
               <a:avLst/>
             </a:prstGeom>
+            <a:solidFill>
+              <a:srgbClr val="00B050"/>
+            </a:solidFill>
             <a:ln>
               <a:solidFill>
                 <a:srgbClr val="0070C0"/>
@@ -37162,133 +37426,6 @@
           </p:txBody>
         </p:sp>
       </p:grpSp>
-      <mc:AlternateContent xmlns:mc="http://schemas.openxmlformats.org/markup-compatibility/2006" xmlns:a14="http://schemas.microsoft.com/office/drawing/2010/main">
-        <mc:Choice Requires="a14">
-          <p:sp>
-            <p:nvSpPr>
-              <p:cNvPr id="49" name="TextBox 48">
-                <a:extLst>
-                  <a:ext uri="{FF2B5EF4-FFF2-40B4-BE49-F238E27FC236}">
-                    <a16:creationId xmlns:a16="http://schemas.microsoft.com/office/drawing/2014/main" id="{30D00E6A-9276-EB2E-B3A1-41B9A67B9F0E}"/>
-                  </a:ext>
-                </a:extLst>
-              </p:cNvPr>
-              <p:cNvSpPr txBox="1"/>
-              <p:nvPr/>
-            </p:nvSpPr>
-            <p:spPr>
-              <a:xfrm>
-                <a:off x="1764273" y="1595029"/>
-                <a:ext cx="2555530" cy="1012521"/>
-              </a:xfrm>
-              <a:prstGeom prst="rect">
-                <a:avLst/>
-              </a:prstGeom>
-              <a:noFill/>
-            </p:spPr>
-            <p:txBody>
-              <a:bodyPr wrap="square">
-                <a:spAutoFit/>
-              </a:bodyPr>
-              <a:lstStyle/>
-              <a:p>
-                <a:pPr/>
-                <a14:m>
-                  <m:oMathPara xmlns:m="http://schemas.openxmlformats.org/officeDocument/2006/math">
-                    <m:oMathParaPr>
-                      <m:jc m:val="centerGroup"/>
-                    </m:oMathParaPr>
-                    <m:oMath xmlns:m="http://schemas.openxmlformats.org/officeDocument/2006/math">
-                      <m:r>
-                        <a:rPr lang="en-GB" sz="3200" b="0" i="1" smtClean="0">
-                          <a:latin typeface="Cambria Math" panose="02040503050406030204" pitchFamily="18" charset="0"/>
-                        </a:rPr>
-                        <m:t>=</m:t>
-                      </m:r>
-                      <m:f>
-                        <m:fPr>
-                          <m:ctrlPr>
-                            <a:rPr lang="en-PH" sz="3200" i="1" smtClean="0">
-                              <a:latin typeface="Cambria Math" panose="02040503050406030204" pitchFamily="18" charset="0"/>
-                            </a:rPr>
-                          </m:ctrlPr>
-                        </m:fPr>
-                        <m:num>
-                          <m:r>
-                            <a:rPr lang="en-GB" sz="3200" b="0" i="1" smtClean="0">
-                              <a:latin typeface="Cambria Math" panose="02040503050406030204" pitchFamily="18" charset="0"/>
-                            </a:rPr>
-                            <m:t>4</m:t>
-                          </m:r>
-                        </m:num>
-                        <m:den>
-                          <m:r>
-                            <a:rPr lang="en-GB" sz="3200" b="0" i="1" smtClean="0">
-                              <a:latin typeface="Cambria Math" panose="02040503050406030204" pitchFamily="18" charset="0"/>
-                            </a:rPr>
-                            <m:t>3</m:t>
-                          </m:r>
-                        </m:den>
-                      </m:f>
-                      <m:r>
-                        <a:rPr lang="en-GB" sz="3200" b="0" i="1" smtClean="0">
-                          <a:latin typeface="Cambria Math" panose="02040503050406030204" pitchFamily="18" charset="0"/>
-                        </a:rPr>
-                        <m:t>=</m:t>
-                      </m:r>
-                    </m:oMath>
-                  </m:oMathPara>
-                </a14:m>
-                <a:endParaRPr lang="en-US" sz="3200" dirty="0"/>
-              </a:p>
-            </p:txBody>
-          </p:sp>
-        </mc:Choice>
-        <mc:Fallback xmlns="">
-          <p:sp>
-            <p:nvSpPr>
-              <p:cNvPr id="49" name="TextBox 48">
-                <a:extLst>
-                  <a:ext uri="{FF2B5EF4-FFF2-40B4-BE49-F238E27FC236}">
-                    <a16:creationId xmlns:a16="http://schemas.microsoft.com/office/drawing/2014/main" id="{30D00E6A-9276-EB2E-B3A1-41B9A67B9F0E}"/>
-                  </a:ext>
-                </a:extLst>
-              </p:cNvPr>
-              <p:cNvSpPr txBox="1">
-                <a:spLocks noRot="1" noChangeAspect="1" noMove="1" noResize="1" noEditPoints="1" noAdjustHandles="1" noChangeArrowheads="1" noChangeShapeType="1" noTextEdit="1"/>
-              </p:cNvSpPr>
-              <p:nvPr/>
-            </p:nvSpPr>
-            <p:spPr>
-              <a:xfrm>
-                <a:off x="1764273" y="1595029"/>
-                <a:ext cx="2555530" cy="1012521"/>
-              </a:xfrm>
-              <a:prstGeom prst="rect">
-                <a:avLst/>
-              </a:prstGeom>
-              <a:blipFill>
-                <a:blip r:embed="rId4"/>
-                <a:stretch>
-                  <a:fillRect b="-7407"/>
-                </a:stretch>
-              </a:blipFill>
-            </p:spPr>
-            <p:txBody>
-              <a:bodyPr/>
-              <a:lstStyle/>
-              <a:p>
-                <a:r>
-                  <a:rPr lang="en-US">
-                    <a:noFill/>
-                  </a:rPr>
-                  <a:t> </a:t>
-                </a:r>
-              </a:p>
-            </p:txBody>
-          </p:sp>
-        </mc:Fallback>
-      </mc:AlternateContent>
       <p:sp>
         <p:nvSpPr>
           <p:cNvPr id="50" name="TextBox 49">
@@ -37332,133 +37469,6 @@
           </a:p>
         </p:txBody>
       </p:sp>
-      <mc:AlternateContent xmlns:mc="http://schemas.openxmlformats.org/markup-compatibility/2006" xmlns:a14="http://schemas.microsoft.com/office/drawing/2010/main">
-        <mc:Choice Requires="a14">
-          <p:sp>
-            <p:nvSpPr>
-              <p:cNvPr id="51" name="TextBox 50">
-                <a:extLst>
-                  <a:ext uri="{FF2B5EF4-FFF2-40B4-BE49-F238E27FC236}">
-                    <a16:creationId xmlns:a16="http://schemas.microsoft.com/office/drawing/2014/main" id="{DACB7A92-14A1-13CA-4B3B-0AB632F2FCE9}"/>
-                  </a:ext>
-                </a:extLst>
-              </p:cNvPr>
-              <p:cNvSpPr txBox="1"/>
-              <p:nvPr/>
-            </p:nvSpPr>
-            <p:spPr>
-              <a:xfrm>
-                <a:off x="1780062" y="3150505"/>
-                <a:ext cx="2555530" cy="1014317"/>
-              </a:xfrm>
-              <a:prstGeom prst="rect">
-                <a:avLst/>
-              </a:prstGeom>
-              <a:noFill/>
-            </p:spPr>
-            <p:txBody>
-              <a:bodyPr wrap="square">
-                <a:spAutoFit/>
-              </a:bodyPr>
-              <a:lstStyle/>
-              <a:p>
-                <a:pPr/>
-                <a14:m>
-                  <m:oMathPara xmlns:m="http://schemas.openxmlformats.org/officeDocument/2006/math">
-                    <m:oMathParaPr>
-                      <m:jc m:val="centerGroup"/>
-                    </m:oMathParaPr>
-                    <m:oMath xmlns:m="http://schemas.openxmlformats.org/officeDocument/2006/math">
-                      <m:r>
-                        <a:rPr lang="en-GB" sz="3200" b="0" i="1" smtClean="0">
-                          <a:latin typeface="Cambria Math" panose="02040503050406030204" pitchFamily="18" charset="0"/>
-                        </a:rPr>
-                        <m:t>=</m:t>
-                      </m:r>
-                      <m:f>
-                        <m:fPr>
-                          <m:ctrlPr>
-                            <a:rPr lang="en-PH" sz="3200" i="1" smtClean="0">
-                              <a:latin typeface="Cambria Math" panose="02040503050406030204" pitchFamily="18" charset="0"/>
-                            </a:rPr>
-                          </m:ctrlPr>
-                        </m:fPr>
-                        <m:num>
-                          <m:r>
-                            <a:rPr lang="en-GB" sz="3200" b="0" i="1" smtClean="0">
-                              <a:latin typeface="Cambria Math" panose="02040503050406030204" pitchFamily="18" charset="0"/>
-                            </a:rPr>
-                            <m:t>8</m:t>
-                          </m:r>
-                        </m:num>
-                        <m:den>
-                          <m:r>
-                            <a:rPr lang="en-GB" sz="3200" b="0" i="1" smtClean="0">
-                              <a:latin typeface="Cambria Math" panose="02040503050406030204" pitchFamily="18" charset="0"/>
-                            </a:rPr>
-                            <m:t>3</m:t>
-                          </m:r>
-                        </m:den>
-                      </m:f>
-                      <m:r>
-                        <a:rPr lang="en-GB" sz="3200" b="0" i="1" smtClean="0">
-                          <a:latin typeface="Cambria Math" panose="02040503050406030204" pitchFamily="18" charset="0"/>
-                        </a:rPr>
-                        <m:t>=</m:t>
-                      </m:r>
-                    </m:oMath>
-                  </m:oMathPara>
-                </a14:m>
-                <a:endParaRPr lang="en-US" sz="3200" dirty="0"/>
-              </a:p>
-            </p:txBody>
-          </p:sp>
-        </mc:Choice>
-        <mc:Fallback xmlns="">
-          <p:sp>
-            <p:nvSpPr>
-              <p:cNvPr id="51" name="TextBox 50">
-                <a:extLst>
-                  <a:ext uri="{FF2B5EF4-FFF2-40B4-BE49-F238E27FC236}">
-                    <a16:creationId xmlns:a16="http://schemas.microsoft.com/office/drawing/2014/main" id="{DACB7A92-14A1-13CA-4B3B-0AB632F2FCE9}"/>
-                  </a:ext>
-                </a:extLst>
-              </p:cNvPr>
-              <p:cNvSpPr txBox="1">
-                <a:spLocks noRot="1" noChangeAspect="1" noMove="1" noResize="1" noEditPoints="1" noAdjustHandles="1" noChangeArrowheads="1" noChangeShapeType="1" noTextEdit="1"/>
-              </p:cNvSpPr>
-              <p:nvPr/>
-            </p:nvSpPr>
-            <p:spPr>
-              <a:xfrm>
-                <a:off x="1780062" y="3150505"/>
-                <a:ext cx="2555530" cy="1014317"/>
-              </a:xfrm>
-              <a:prstGeom prst="rect">
-                <a:avLst/>
-              </a:prstGeom>
-              <a:blipFill>
-                <a:blip r:embed="rId5"/>
-                <a:stretch>
-                  <a:fillRect b="-8750"/>
-                </a:stretch>
-              </a:blipFill>
-            </p:spPr>
-            <p:txBody>
-              <a:bodyPr/>
-              <a:lstStyle/>
-              <a:p>
-                <a:r>
-                  <a:rPr lang="en-US">
-                    <a:noFill/>
-                  </a:rPr>
-                  <a:t> </a:t>
-                </a:r>
-              </a:p>
-            </p:txBody>
-          </p:sp>
-        </mc:Fallback>
-      </mc:AlternateContent>
       <p:sp>
         <p:nvSpPr>
           <p:cNvPr id="52" name="TextBox 51">
@@ -37502,133 +37512,6 @@
           </a:p>
         </p:txBody>
       </p:sp>
-      <mc:AlternateContent xmlns:mc="http://schemas.openxmlformats.org/markup-compatibility/2006" xmlns:a14="http://schemas.microsoft.com/office/drawing/2010/main">
-        <mc:Choice Requires="a14">
-          <p:sp>
-            <p:nvSpPr>
-              <p:cNvPr id="53" name="TextBox 52">
-                <a:extLst>
-                  <a:ext uri="{FF2B5EF4-FFF2-40B4-BE49-F238E27FC236}">
-                    <a16:creationId xmlns:a16="http://schemas.microsoft.com/office/drawing/2014/main" id="{C364B163-DDE2-173C-1DEB-0E72C70DE045}"/>
-                  </a:ext>
-                </a:extLst>
-              </p:cNvPr>
-              <p:cNvSpPr txBox="1"/>
-              <p:nvPr/>
-            </p:nvSpPr>
-            <p:spPr>
-              <a:xfrm>
-                <a:off x="1693688" y="4716909"/>
-                <a:ext cx="2555530" cy="1014317"/>
-              </a:xfrm>
-              <a:prstGeom prst="rect">
-                <a:avLst/>
-              </a:prstGeom>
-              <a:noFill/>
-            </p:spPr>
-            <p:txBody>
-              <a:bodyPr wrap="square">
-                <a:spAutoFit/>
-              </a:bodyPr>
-              <a:lstStyle/>
-              <a:p>
-                <a:pPr/>
-                <a14:m>
-                  <m:oMathPara xmlns:m="http://schemas.openxmlformats.org/officeDocument/2006/math">
-                    <m:oMathParaPr>
-                      <m:jc m:val="centerGroup"/>
-                    </m:oMathParaPr>
-                    <m:oMath xmlns:m="http://schemas.openxmlformats.org/officeDocument/2006/math">
-                      <m:r>
-                        <a:rPr lang="en-GB" sz="3200" b="0" i="1" smtClean="0">
-                          <a:latin typeface="Cambria Math" panose="02040503050406030204" pitchFamily="18" charset="0"/>
-                        </a:rPr>
-                        <m:t>=</m:t>
-                      </m:r>
-                      <m:f>
-                        <m:fPr>
-                          <m:ctrlPr>
-                            <a:rPr lang="en-PH" sz="3200" i="1" smtClean="0">
-                              <a:latin typeface="Cambria Math" panose="02040503050406030204" pitchFamily="18" charset="0"/>
-                            </a:rPr>
-                          </m:ctrlPr>
-                        </m:fPr>
-                        <m:num>
-                          <m:r>
-                            <a:rPr lang="en-GB" sz="3200" b="0" i="1" smtClean="0">
-                              <a:latin typeface="Cambria Math" panose="02040503050406030204" pitchFamily="18" charset="0"/>
-                            </a:rPr>
-                            <m:t>16</m:t>
-                          </m:r>
-                        </m:num>
-                        <m:den>
-                          <m:r>
-                            <a:rPr lang="en-GB" sz="3200" b="0" i="1" smtClean="0">
-                              <a:latin typeface="Cambria Math" panose="02040503050406030204" pitchFamily="18" charset="0"/>
-                            </a:rPr>
-                            <m:t>3</m:t>
-                          </m:r>
-                        </m:den>
-                      </m:f>
-                      <m:r>
-                        <a:rPr lang="en-GB" sz="3200" b="0" i="1" smtClean="0">
-                          <a:latin typeface="Cambria Math" panose="02040503050406030204" pitchFamily="18" charset="0"/>
-                        </a:rPr>
-                        <m:t>=</m:t>
-                      </m:r>
-                    </m:oMath>
-                  </m:oMathPara>
-                </a14:m>
-                <a:endParaRPr lang="en-US" sz="3200" dirty="0"/>
-              </a:p>
-            </p:txBody>
-          </p:sp>
-        </mc:Choice>
-        <mc:Fallback xmlns="">
-          <p:sp>
-            <p:nvSpPr>
-              <p:cNvPr id="53" name="TextBox 52">
-                <a:extLst>
-                  <a:ext uri="{FF2B5EF4-FFF2-40B4-BE49-F238E27FC236}">
-                    <a16:creationId xmlns:a16="http://schemas.microsoft.com/office/drawing/2014/main" id="{C364B163-DDE2-173C-1DEB-0E72C70DE045}"/>
-                  </a:ext>
-                </a:extLst>
-              </p:cNvPr>
-              <p:cNvSpPr txBox="1">
-                <a:spLocks noRot="1" noChangeAspect="1" noMove="1" noResize="1" noEditPoints="1" noAdjustHandles="1" noChangeArrowheads="1" noChangeShapeType="1" noTextEdit="1"/>
-              </p:cNvSpPr>
-              <p:nvPr/>
-            </p:nvSpPr>
-            <p:spPr>
-              <a:xfrm>
-                <a:off x="1693688" y="4716909"/>
-                <a:ext cx="2555530" cy="1014317"/>
-              </a:xfrm>
-              <a:prstGeom prst="rect">
-                <a:avLst/>
-              </a:prstGeom>
-              <a:blipFill>
-                <a:blip r:embed="rId6"/>
-                <a:stretch>
-                  <a:fillRect b="-7407"/>
-                </a:stretch>
-              </a:blipFill>
-            </p:spPr>
-            <p:txBody>
-              <a:bodyPr/>
-              <a:lstStyle/>
-              <a:p>
-                <a:r>
-                  <a:rPr lang="en-US">
-                    <a:noFill/>
-                  </a:rPr>
-                  <a:t> </a:t>
-                </a:r>
-              </a:p>
-            </p:txBody>
-          </p:sp>
-        </mc:Fallback>
-      </mc:AlternateContent>
       <p:sp>
         <p:nvSpPr>
           <p:cNvPr id="54" name="TextBox 53">
@@ -37984,7 +37867,7 @@
             <a:r>
               <a:rPr lang="en-GB" sz="3200" b="1" dirty="0">
                 <a:solidFill>
-                  <a:srgbClr val="0070C0"/>
+                  <a:srgbClr val="00B050"/>
                 </a:solidFill>
               </a:rPr>
               <a:t>win</a:t>
@@ -37996,7 +37879,7 @@
             <a:r>
               <a:rPr lang="en-GB" sz="3200" b="1" dirty="0">
                 <a:solidFill>
-                  <a:srgbClr val="0070C0"/>
+                  <a:srgbClr val="00B050"/>
                 </a:solidFill>
               </a:rPr>
               <a:t>winning</a:t>
@@ -38021,6 +37904,387 @@
           </a:p>
         </p:txBody>
       </p:sp>
+      <mc:AlternateContent xmlns:mc="http://schemas.openxmlformats.org/markup-compatibility/2006">
+        <mc:Choice xmlns:a14="http://schemas.microsoft.com/office/drawing/2010/main" Requires="a14">
+          <p:sp>
+            <p:nvSpPr>
+              <p:cNvPr id="12" name="TextBox 11">
+                <a:extLst>
+                  <a:ext uri="{FF2B5EF4-FFF2-40B4-BE49-F238E27FC236}">
+                    <a16:creationId xmlns:a16="http://schemas.microsoft.com/office/drawing/2014/main" id="{30D00E6A-9276-EB2E-B3A1-41B9A67B9F0E}"/>
+                  </a:ext>
+                </a:extLst>
+              </p:cNvPr>
+              <p:cNvSpPr txBox="1"/>
+              <p:nvPr/>
+            </p:nvSpPr>
+            <p:spPr>
+              <a:xfrm>
+                <a:off x="1764273" y="1595029"/>
+                <a:ext cx="2555530" cy="1012521"/>
+              </a:xfrm>
+              <a:prstGeom prst="rect">
+                <a:avLst/>
+              </a:prstGeom>
+              <a:noFill/>
+            </p:spPr>
+            <p:txBody>
+              <a:bodyPr wrap="square">
+                <a:spAutoFit/>
+              </a:bodyPr>
+              <a:lstStyle/>
+              <a:p>
+                <a:pPr/>
+                <a14:m>
+                  <m:oMathPara xmlns:m="http://schemas.openxmlformats.org/officeDocument/2006/math">
+                    <m:oMathParaPr>
+                      <m:jc m:val="centerGroup"/>
+                    </m:oMathParaPr>
+                    <m:oMath xmlns:m="http://schemas.openxmlformats.org/officeDocument/2006/math">
+                      <m:r>
+                        <a:rPr lang="en-GB" sz="3200" b="0" i="1" smtClean="0">
+                          <a:latin typeface="Cambria Math" panose="02040503050406030204" pitchFamily="18" charset="0"/>
+                        </a:rPr>
+                        <m:t>=</m:t>
+                      </m:r>
+                      <m:f>
+                        <m:fPr>
+                          <m:ctrlPr>
+                            <a:rPr lang="en-PH" sz="3200" i="1" smtClean="0">
+                              <a:latin typeface="Cambria Math" panose="02040503050406030204" pitchFamily="18" charset="0"/>
+                            </a:rPr>
+                          </m:ctrlPr>
+                        </m:fPr>
+                        <m:num>
+                          <m:r>
+                            <a:rPr lang="en-GB" sz="3200" b="0" i="1" smtClean="0">
+                              <a:latin typeface="Cambria Math" panose="02040503050406030204" pitchFamily="18" charset="0"/>
+                            </a:rPr>
+                            <m:t>4</m:t>
+                          </m:r>
+                        </m:num>
+                        <m:den>
+                          <m:r>
+                            <a:rPr lang="en-GB" sz="3200" b="0" i="1" smtClean="0">
+                              <a:latin typeface="Cambria Math" panose="02040503050406030204" pitchFamily="18" charset="0"/>
+                            </a:rPr>
+                            <m:t>3</m:t>
+                          </m:r>
+                        </m:den>
+                      </m:f>
+                      <m:r>
+                        <a:rPr lang="en-GB" sz="3200" b="0" i="1" smtClean="0">
+                          <a:latin typeface="Cambria Math" panose="02040503050406030204" pitchFamily="18" charset="0"/>
+                        </a:rPr>
+                        <m:t>=</m:t>
+                      </m:r>
+                    </m:oMath>
+                  </m:oMathPara>
+                </a14:m>
+                <a:endParaRPr lang="en-US" sz="3200" dirty="0"/>
+              </a:p>
+            </p:txBody>
+          </p:sp>
+        </mc:Choice>
+        <mc:Fallback>
+          <p:sp>
+            <p:nvSpPr>
+              <p:cNvPr id="12" name="TextBox 11">
+                <a:extLst>
+                  <a:ext uri="{FF2B5EF4-FFF2-40B4-BE49-F238E27FC236}">
+                    <a16:creationId xmlns:a16="http://schemas.microsoft.com/office/drawing/2014/main" id="{30D00E6A-9276-EB2E-B3A1-41B9A67B9F0E}"/>
+                  </a:ext>
+                </a:extLst>
+              </p:cNvPr>
+              <p:cNvSpPr txBox="1">
+                <a:spLocks noRot="1" noChangeAspect="1" noMove="1" noResize="1" noEditPoints="1" noAdjustHandles="1" noChangeArrowheads="1" noChangeShapeType="1" noTextEdit="1"/>
+              </p:cNvSpPr>
+              <p:nvPr/>
+            </p:nvSpPr>
+            <p:spPr>
+              <a:xfrm>
+                <a:off x="1764273" y="1595029"/>
+                <a:ext cx="2555530" cy="1012521"/>
+              </a:xfrm>
+              <a:prstGeom prst="rect">
+                <a:avLst/>
+              </a:prstGeom>
+              <a:blipFill>
+                <a:blip r:embed="rId4"/>
+                <a:stretch>
+                  <a:fillRect/>
+                </a:stretch>
+              </a:blipFill>
+            </p:spPr>
+            <p:txBody>
+              <a:bodyPr/>
+              <a:lstStyle/>
+              <a:p>
+                <a:r>
+                  <a:rPr lang="en-PH">
+                    <a:noFill/>
+                  </a:rPr>
+                  <a:t> </a:t>
+                </a:r>
+              </a:p>
+            </p:txBody>
+          </p:sp>
+        </mc:Fallback>
+      </mc:AlternateContent>
+      <mc:AlternateContent xmlns:mc="http://schemas.openxmlformats.org/markup-compatibility/2006">
+        <mc:Choice xmlns:a14="http://schemas.microsoft.com/office/drawing/2010/main" Requires="a14">
+          <p:sp>
+            <p:nvSpPr>
+              <p:cNvPr id="13" name="TextBox 12">
+                <a:extLst>
+                  <a:ext uri="{FF2B5EF4-FFF2-40B4-BE49-F238E27FC236}">
+                    <a16:creationId xmlns:a16="http://schemas.microsoft.com/office/drawing/2014/main" id="{DACB7A92-14A1-13CA-4B3B-0AB632F2FCE9}"/>
+                  </a:ext>
+                </a:extLst>
+              </p:cNvPr>
+              <p:cNvSpPr txBox="1"/>
+              <p:nvPr/>
+            </p:nvSpPr>
+            <p:spPr>
+              <a:xfrm>
+                <a:off x="1780062" y="3150505"/>
+                <a:ext cx="2555530" cy="1014317"/>
+              </a:xfrm>
+              <a:prstGeom prst="rect">
+                <a:avLst/>
+              </a:prstGeom>
+              <a:noFill/>
+            </p:spPr>
+            <p:txBody>
+              <a:bodyPr wrap="square">
+                <a:spAutoFit/>
+              </a:bodyPr>
+              <a:lstStyle/>
+              <a:p>
+                <a:pPr/>
+                <a14:m>
+                  <m:oMathPara xmlns:m="http://schemas.openxmlformats.org/officeDocument/2006/math">
+                    <m:oMathParaPr>
+                      <m:jc m:val="centerGroup"/>
+                    </m:oMathParaPr>
+                    <m:oMath xmlns:m="http://schemas.openxmlformats.org/officeDocument/2006/math">
+                      <m:r>
+                        <a:rPr lang="en-GB" sz="3200" b="0" i="1" smtClean="0">
+                          <a:latin typeface="Cambria Math" panose="02040503050406030204" pitchFamily="18" charset="0"/>
+                        </a:rPr>
+                        <m:t>=</m:t>
+                      </m:r>
+                      <m:f>
+                        <m:fPr>
+                          <m:ctrlPr>
+                            <a:rPr lang="en-PH" sz="3200" i="1" smtClean="0">
+                              <a:latin typeface="Cambria Math" panose="02040503050406030204" pitchFamily="18" charset="0"/>
+                            </a:rPr>
+                          </m:ctrlPr>
+                        </m:fPr>
+                        <m:num>
+                          <m:r>
+                            <a:rPr lang="en-GB" sz="3200" b="0" i="1" smtClean="0">
+                              <a:latin typeface="Cambria Math" panose="02040503050406030204" pitchFamily="18" charset="0"/>
+                            </a:rPr>
+                            <m:t>8</m:t>
+                          </m:r>
+                        </m:num>
+                        <m:den>
+                          <m:r>
+                            <a:rPr lang="en-GB" sz="3200" b="0" i="1" smtClean="0">
+                              <a:latin typeface="Cambria Math" panose="02040503050406030204" pitchFamily="18" charset="0"/>
+                            </a:rPr>
+                            <m:t>3</m:t>
+                          </m:r>
+                        </m:den>
+                      </m:f>
+                      <m:r>
+                        <a:rPr lang="en-GB" sz="3200" b="0" i="1" smtClean="0">
+                          <a:latin typeface="Cambria Math" panose="02040503050406030204" pitchFamily="18" charset="0"/>
+                        </a:rPr>
+                        <m:t>=</m:t>
+                      </m:r>
+                    </m:oMath>
+                  </m:oMathPara>
+                </a14:m>
+                <a:endParaRPr lang="en-US" sz="3200" dirty="0"/>
+              </a:p>
+            </p:txBody>
+          </p:sp>
+        </mc:Choice>
+        <mc:Fallback>
+          <p:sp>
+            <p:nvSpPr>
+              <p:cNvPr id="13" name="TextBox 12">
+                <a:extLst>
+                  <a:ext uri="{FF2B5EF4-FFF2-40B4-BE49-F238E27FC236}">
+                    <a16:creationId xmlns:a16="http://schemas.microsoft.com/office/drawing/2014/main" id="{DACB7A92-14A1-13CA-4B3B-0AB632F2FCE9}"/>
+                  </a:ext>
+                </a:extLst>
+              </p:cNvPr>
+              <p:cNvSpPr txBox="1">
+                <a:spLocks noRot="1" noChangeAspect="1" noMove="1" noResize="1" noEditPoints="1" noAdjustHandles="1" noChangeArrowheads="1" noChangeShapeType="1" noTextEdit="1"/>
+              </p:cNvSpPr>
+              <p:nvPr/>
+            </p:nvSpPr>
+            <p:spPr>
+              <a:xfrm>
+                <a:off x="1780062" y="3150505"/>
+                <a:ext cx="2555530" cy="1014317"/>
+              </a:xfrm>
+              <a:prstGeom prst="rect">
+                <a:avLst/>
+              </a:prstGeom>
+              <a:blipFill>
+                <a:blip r:embed="rId5"/>
+                <a:stretch>
+                  <a:fillRect/>
+                </a:stretch>
+              </a:blipFill>
+            </p:spPr>
+            <p:txBody>
+              <a:bodyPr/>
+              <a:lstStyle/>
+              <a:p>
+                <a:r>
+                  <a:rPr lang="en-PH">
+                    <a:noFill/>
+                  </a:rPr>
+                  <a:t> </a:t>
+                </a:r>
+              </a:p>
+            </p:txBody>
+          </p:sp>
+        </mc:Fallback>
+      </mc:AlternateContent>
+      <mc:AlternateContent xmlns:mc="http://schemas.openxmlformats.org/markup-compatibility/2006">
+        <mc:Choice xmlns:a14="http://schemas.microsoft.com/office/drawing/2010/main" Requires="a14">
+          <p:sp>
+            <p:nvSpPr>
+              <p:cNvPr id="57" name="TextBox 56">
+                <a:extLst>
+                  <a:ext uri="{FF2B5EF4-FFF2-40B4-BE49-F238E27FC236}">
+                    <a16:creationId xmlns:a16="http://schemas.microsoft.com/office/drawing/2014/main" id="{E9F153AB-2401-E3FF-5849-B820C7426D77}"/>
+                  </a:ext>
+                </a:extLst>
+              </p:cNvPr>
+              <p:cNvSpPr txBox="1"/>
+              <p:nvPr/>
+            </p:nvSpPr>
+            <p:spPr>
+              <a:xfrm>
+                <a:off x="1693688" y="4716909"/>
+                <a:ext cx="2555530" cy="1014317"/>
+              </a:xfrm>
+              <a:prstGeom prst="rect">
+                <a:avLst/>
+              </a:prstGeom>
+              <a:noFill/>
+            </p:spPr>
+            <p:txBody>
+              <a:bodyPr wrap="square">
+                <a:spAutoFit/>
+              </a:bodyPr>
+              <a:lstStyle/>
+              <a:p>
+                <a:pPr/>
+                <a14:m>
+                  <m:oMathPara xmlns:m="http://schemas.openxmlformats.org/officeDocument/2006/math">
+                    <m:oMathParaPr>
+                      <m:jc m:val="centerGroup"/>
+                    </m:oMathParaPr>
+                    <m:oMath xmlns:m="http://schemas.openxmlformats.org/officeDocument/2006/math">
+                      <m:r>
+                        <a:rPr lang="en-GB" sz="3200" b="0" i="1" smtClean="0">
+                          <a:latin typeface="Cambria Math" panose="02040503050406030204" pitchFamily="18" charset="0"/>
+                        </a:rPr>
+                        <m:t>=</m:t>
+                      </m:r>
+                      <m:f>
+                        <m:fPr>
+                          <m:ctrlPr>
+                            <a:rPr lang="en-PH" sz="3200" i="1" smtClean="0">
+                              <a:latin typeface="Cambria Math" panose="02040503050406030204" pitchFamily="18" charset="0"/>
+                            </a:rPr>
+                          </m:ctrlPr>
+                        </m:fPr>
+                        <m:num>
+                          <m:r>
+                            <a:rPr lang="en-GB" sz="3200" b="0" i="1" smtClean="0">
+                              <a:latin typeface="Cambria Math" panose="02040503050406030204" pitchFamily="18" charset="0"/>
+                            </a:rPr>
+                            <m:t>16</m:t>
+                          </m:r>
+                        </m:num>
+                        <m:den>
+                          <m:r>
+                            <a:rPr lang="en-GB" sz="3200" b="0" i="1" smtClean="0">
+                              <a:latin typeface="Cambria Math" panose="02040503050406030204" pitchFamily="18" charset="0"/>
+                            </a:rPr>
+                            <m:t>3</m:t>
+                          </m:r>
+                        </m:den>
+                      </m:f>
+                      <m:r>
+                        <a:rPr lang="en-GB" sz="3200" b="0" i="1" smtClean="0">
+                          <a:latin typeface="Cambria Math" panose="02040503050406030204" pitchFamily="18" charset="0"/>
+                        </a:rPr>
+                        <m:t>=</m:t>
+                      </m:r>
+                    </m:oMath>
+                  </m:oMathPara>
+                </a14:m>
+                <a:endParaRPr lang="en-US" sz="3200" dirty="0"/>
+              </a:p>
+            </p:txBody>
+          </p:sp>
+        </mc:Choice>
+        <mc:Fallback>
+          <p:sp>
+            <p:nvSpPr>
+              <p:cNvPr id="57" name="TextBox 56">
+                <a:extLst>
+                  <a:ext uri="{FF2B5EF4-FFF2-40B4-BE49-F238E27FC236}">
+                    <a16:creationId xmlns:a16="http://schemas.microsoft.com/office/drawing/2014/main" id="{E9F153AB-2401-E3FF-5849-B820C7426D77}"/>
+                  </a:ext>
+                </a:extLst>
+              </p:cNvPr>
+              <p:cNvSpPr txBox="1">
+                <a:spLocks noRot="1" noChangeAspect="1" noMove="1" noResize="1" noEditPoints="1" noAdjustHandles="1" noChangeArrowheads="1" noChangeShapeType="1" noTextEdit="1"/>
+              </p:cNvSpPr>
+              <p:nvPr/>
+            </p:nvSpPr>
+            <p:spPr>
+              <a:xfrm>
+                <a:off x="1693688" y="4716909"/>
+                <a:ext cx="2555530" cy="1014317"/>
+              </a:xfrm>
+              <a:prstGeom prst="rect">
+                <a:avLst/>
+              </a:prstGeom>
+              <a:blipFill>
+                <a:blip r:embed="rId6"/>
+                <a:stretch>
+                  <a:fillRect/>
+                </a:stretch>
+              </a:blipFill>
+            </p:spPr>
+            <p:txBody>
+              <a:bodyPr/>
+              <a:lstStyle/>
+              <a:p>
+                <a:r>
+                  <a:rPr lang="en-PH">
+                    <a:noFill/>
+                  </a:rPr>
+                  <a:t> </a:t>
+                </a:r>
+              </a:p>
+            </p:txBody>
+          </p:sp>
+        </mc:Fallback>
+      </mc:AlternateContent>
     </p:spTree>
     <p:extLst>
       <p:ext uri="{BB962C8B-B14F-4D97-AF65-F5344CB8AC3E}">
@@ -38132,7 +38396,13 @@
     </p:bg>
     <p:spTree>
       <p:nvGrpSpPr>
-        <p:cNvPr id="1" name=""/>
+        <p:cNvPr id="1" name="">
+          <a:extLst>
+            <a:ext uri="{FF2B5EF4-FFF2-40B4-BE49-F238E27FC236}">
+              <a16:creationId xmlns:a16="http://schemas.microsoft.com/office/drawing/2014/main" id="{BEAADC2C-28C6-D3FD-E741-08C5B6003AB1}"/>
+            </a:ext>
+          </a:extLst>
+        </p:cNvPr>
         <p:cNvGrpSpPr/>
         <p:nvPr/>
       </p:nvGrpSpPr>
@@ -38149,7 +38419,7 @@
           <p:cNvPr id="4" name="Footer Placeholder 3">
             <a:extLst>
               <a:ext uri="{FF2B5EF4-FFF2-40B4-BE49-F238E27FC236}">
-                <a16:creationId xmlns:a16="http://schemas.microsoft.com/office/drawing/2014/main" id="{638E7DE1-45EE-476A-A474-0F3C264AEDA3}"/>
+                <a16:creationId xmlns:a16="http://schemas.microsoft.com/office/drawing/2014/main" id="{3DF62F18-4C64-7660-5EC4-075F861EBE09}"/>
               </a:ext>
             </a:extLst>
           </p:cNvPr>
@@ -38195,7 +38465,7 @@
           <p:cNvPr id="2" name="Title 1">
             <a:extLst>
               <a:ext uri="{FF2B5EF4-FFF2-40B4-BE49-F238E27FC236}">
-                <a16:creationId xmlns:a16="http://schemas.microsoft.com/office/drawing/2014/main" id="{E8FE4DC5-50CE-9CEE-1720-B3DB36475851}"/>
+                <a16:creationId xmlns:a16="http://schemas.microsoft.com/office/drawing/2014/main" id="{2065D5AE-7325-7A54-8D72-C55EB9A7B8D7}"/>
               </a:ext>
             </a:extLst>
           </p:cNvPr>
@@ -38230,7 +38500,7 @@
           <p:cNvPr id="5" name="Group 4">
             <a:extLst>
               <a:ext uri="{FF2B5EF4-FFF2-40B4-BE49-F238E27FC236}">
-                <a16:creationId xmlns:a16="http://schemas.microsoft.com/office/drawing/2014/main" id="{34CAD707-785C-3D51-FF0F-B4AD8E052194}"/>
+                <a16:creationId xmlns:a16="http://schemas.microsoft.com/office/drawing/2014/main" id="{C382EE6A-34AF-9D0C-AF21-D5E1DAE6C27C}"/>
               </a:ext>
             </a:extLst>
           </p:cNvPr>
@@ -38250,7 +38520,7 @@
             <p:cNvPr id="3" name="Oval 2">
               <a:extLst>
                 <a:ext uri="{FF2B5EF4-FFF2-40B4-BE49-F238E27FC236}">
-                  <a16:creationId xmlns:a16="http://schemas.microsoft.com/office/drawing/2014/main" id="{9785E212-BEFE-8003-1E27-22B7145D5459}"/>
+                  <a16:creationId xmlns:a16="http://schemas.microsoft.com/office/drawing/2014/main" id="{18131F78-8207-48FC-0856-CB83CF09135F}"/>
                 </a:ext>
               </a:extLst>
             </p:cNvPr>
@@ -38265,6 +38535,9 @@
             <a:prstGeom prst="ellipse">
               <a:avLst/>
             </a:prstGeom>
+            <a:solidFill>
+              <a:srgbClr val="00B050"/>
+            </a:solidFill>
             <a:ln>
               <a:solidFill>
                 <a:srgbClr val="0070C0"/>
@@ -38301,7 +38574,7 @@
             <p:cNvPr id="8" name="Oval 7">
               <a:extLst>
                 <a:ext uri="{FF2B5EF4-FFF2-40B4-BE49-F238E27FC236}">
-                  <a16:creationId xmlns:a16="http://schemas.microsoft.com/office/drawing/2014/main" id="{D06855B2-474A-B644-9E44-777F38C4E852}"/>
+                  <a16:creationId xmlns:a16="http://schemas.microsoft.com/office/drawing/2014/main" id="{7D038FD3-ED0C-B1AA-3276-F0102A3C3022}"/>
                 </a:ext>
               </a:extLst>
             </p:cNvPr>
@@ -38350,7 +38623,7 @@
             <p:cNvPr id="9" name="Oval 8">
               <a:extLst>
                 <a:ext uri="{FF2B5EF4-FFF2-40B4-BE49-F238E27FC236}">
-                  <a16:creationId xmlns:a16="http://schemas.microsoft.com/office/drawing/2014/main" id="{8465414B-6BE5-CE10-C6FE-1C71C2AC9847}"/>
+                  <a16:creationId xmlns:a16="http://schemas.microsoft.com/office/drawing/2014/main" id="{122A0876-D1FC-5663-C4DE-E6C7CDEC450C}"/>
                 </a:ext>
               </a:extLst>
             </p:cNvPr>
@@ -38399,7 +38672,7 @@
             <p:cNvPr id="10" name="Oval 9">
               <a:extLst>
                 <a:ext uri="{FF2B5EF4-FFF2-40B4-BE49-F238E27FC236}">
-                  <a16:creationId xmlns:a16="http://schemas.microsoft.com/office/drawing/2014/main" id="{096736AA-3983-84CF-2374-B0AB8A59CF8E}"/>
+                  <a16:creationId xmlns:a16="http://schemas.microsoft.com/office/drawing/2014/main" id="{FE5A3B30-0B8C-7DC1-2FA2-EC0EA8C46261}"/>
                 </a:ext>
               </a:extLst>
             </p:cNvPr>
@@ -38448,7 +38721,7 @@
             <p:cNvPr id="11" name="Straight Connector 10">
               <a:extLst>
                 <a:ext uri="{FF2B5EF4-FFF2-40B4-BE49-F238E27FC236}">
-                  <a16:creationId xmlns:a16="http://schemas.microsoft.com/office/drawing/2014/main" id="{039C8A8C-27DE-42B5-6E0B-434539A93B19}"/>
+                  <a16:creationId xmlns:a16="http://schemas.microsoft.com/office/drawing/2014/main" id="{27938F7C-AFF4-C413-49EC-0CA5B4E5452F}"/>
                 </a:ext>
               </a:extLst>
             </p:cNvPr>
@@ -38491,7 +38764,7 @@
             <p:cNvPr id="19" name="Oval 18">
               <a:extLst>
                 <a:ext uri="{FF2B5EF4-FFF2-40B4-BE49-F238E27FC236}">
-                  <a16:creationId xmlns:a16="http://schemas.microsoft.com/office/drawing/2014/main" id="{95840962-6428-EDDD-6862-B370E3D64D8B}"/>
+                  <a16:creationId xmlns:a16="http://schemas.microsoft.com/office/drawing/2014/main" id="{6EB0AA3B-6F15-D47F-EFDC-02849A351299}"/>
                 </a:ext>
               </a:extLst>
             </p:cNvPr>
@@ -38506,6 +38779,9 @@
             <a:prstGeom prst="ellipse">
               <a:avLst/>
             </a:prstGeom>
+            <a:solidFill>
+              <a:srgbClr val="00B050"/>
+            </a:solidFill>
             <a:ln>
               <a:solidFill>
                 <a:srgbClr val="0070C0"/>
@@ -38542,7 +38818,7 @@
             <p:cNvPr id="20" name="Oval 19">
               <a:extLst>
                 <a:ext uri="{FF2B5EF4-FFF2-40B4-BE49-F238E27FC236}">
-                  <a16:creationId xmlns:a16="http://schemas.microsoft.com/office/drawing/2014/main" id="{177FBDA9-7137-A5A3-9D83-C0BFDA4A403B}"/>
+                  <a16:creationId xmlns:a16="http://schemas.microsoft.com/office/drawing/2014/main" id="{A3E7417A-5C8F-B123-D269-977B6401A20A}"/>
                 </a:ext>
               </a:extLst>
             </p:cNvPr>
@@ -38557,6 +38833,9 @@
             <a:prstGeom prst="ellipse">
               <a:avLst/>
             </a:prstGeom>
+            <a:solidFill>
+              <a:srgbClr val="00B050"/>
+            </a:solidFill>
             <a:ln>
               <a:solidFill>
                 <a:srgbClr val="0070C0"/>
@@ -38593,7 +38872,7 @@
             <p:cNvPr id="21" name="Oval 20">
               <a:extLst>
                 <a:ext uri="{FF2B5EF4-FFF2-40B4-BE49-F238E27FC236}">
-                  <a16:creationId xmlns:a16="http://schemas.microsoft.com/office/drawing/2014/main" id="{ABAD05FD-6A11-178F-F9A9-76937BBA4895}"/>
+                  <a16:creationId xmlns:a16="http://schemas.microsoft.com/office/drawing/2014/main" id="{762B2852-3104-6B1B-A2E9-29675E2FD0B7}"/>
                 </a:ext>
               </a:extLst>
             </p:cNvPr>
@@ -38608,6 +38887,9 @@
             <a:prstGeom prst="ellipse">
               <a:avLst/>
             </a:prstGeom>
+            <a:solidFill>
+              <a:srgbClr val="00B050"/>
+            </a:solidFill>
             <a:ln>
               <a:solidFill>
                 <a:srgbClr val="0070C0"/>
@@ -38645,7 +38927,7 @@
           <p:cNvPr id="27" name="Group 26">
             <a:extLst>
               <a:ext uri="{FF2B5EF4-FFF2-40B4-BE49-F238E27FC236}">
-                <a16:creationId xmlns:a16="http://schemas.microsoft.com/office/drawing/2014/main" id="{07F39C33-870F-C63C-8DF3-90F47209DEC8}"/>
+                <a16:creationId xmlns:a16="http://schemas.microsoft.com/office/drawing/2014/main" id="{F14F0B24-BA39-B4A6-BE5D-5FB296E31771}"/>
               </a:ext>
             </a:extLst>
           </p:cNvPr>
@@ -38665,7 +38947,7 @@
             <p:cNvPr id="6" name="Oval 5">
               <a:extLst>
                 <a:ext uri="{FF2B5EF4-FFF2-40B4-BE49-F238E27FC236}">
-                  <a16:creationId xmlns:a16="http://schemas.microsoft.com/office/drawing/2014/main" id="{235D5322-21EC-9342-52E0-D2386384A9FF}"/>
+                  <a16:creationId xmlns:a16="http://schemas.microsoft.com/office/drawing/2014/main" id="{6A65A1EC-287C-3C6F-1A01-18A8D3835353}"/>
                 </a:ext>
               </a:extLst>
             </p:cNvPr>
@@ -38680,6 +38962,9 @@
             <a:prstGeom prst="ellipse">
               <a:avLst/>
             </a:prstGeom>
+            <a:solidFill>
+              <a:srgbClr val="00B050"/>
+            </a:solidFill>
             <a:ln>
               <a:solidFill>
                 <a:srgbClr val="0070C0"/>
@@ -38716,7 +39001,7 @@
             <p:cNvPr id="7" name="Oval 6">
               <a:extLst>
                 <a:ext uri="{FF2B5EF4-FFF2-40B4-BE49-F238E27FC236}">
-                  <a16:creationId xmlns:a16="http://schemas.microsoft.com/office/drawing/2014/main" id="{D9569DDA-A8AE-9E2C-E78B-32BA2E110483}"/>
+                  <a16:creationId xmlns:a16="http://schemas.microsoft.com/office/drawing/2014/main" id="{4C27BAE6-E4C4-9985-5189-780C66F67935}"/>
                 </a:ext>
               </a:extLst>
             </p:cNvPr>
@@ -38765,7 +39050,7 @@
             <p:cNvPr id="14" name="Oval 13">
               <a:extLst>
                 <a:ext uri="{FF2B5EF4-FFF2-40B4-BE49-F238E27FC236}">
-                  <a16:creationId xmlns:a16="http://schemas.microsoft.com/office/drawing/2014/main" id="{3AC593E0-EF2E-F44E-8449-D5DD8E90B38C}"/>
+                  <a16:creationId xmlns:a16="http://schemas.microsoft.com/office/drawing/2014/main" id="{CA5234C2-BD68-7AEC-2038-265F43471292}"/>
                 </a:ext>
               </a:extLst>
             </p:cNvPr>
@@ -38814,7 +39099,7 @@
             <p:cNvPr id="15" name="Oval 14">
               <a:extLst>
                 <a:ext uri="{FF2B5EF4-FFF2-40B4-BE49-F238E27FC236}">
-                  <a16:creationId xmlns:a16="http://schemas.microsoft.com/office/drawing/2014/main" id="{B9AAB2B4-02B0-B022-FCF7-DB6DBE8DD971}"/>
+                  <a16:creationId xmlns:a16="http://schemas.microsoft.com/office/drawing/2014/main" id="{5E894BE4-14E0-D5AD-406B-EBF4CE2CD0AB}"/>
                 </a:ext>
               </a:extLst>
             </p:cNvPr>
@@ -38863,7 +39148,7 @@
             <p:cNvPr id="16" name="Straight Connector 15">
               <a:extLst>
                 <a:ext uri="{FF2B5EF4-FFF2-40B4-BE49-F238E27FC236}">
-                  <a16:creationId xmlns:a16="http://schemas.microsoft.com/office/drawing/2014/main" id="{9661CBD5-2982-FCD9-ABD8-8C7D1951AA32}"/>
+                  <a16:creationId xmlns:a16="http://schemas.microsoft.com/office/drawing/2014/main" id="{84B87519-D922-B69A-18DA-DC7D929992A8}"/>
                 </a:ext>
               </a:extLst>
             </p:cNvPr>
@@ -38906,7 +39191,7 @@
             <p:cNvPr id="17" name="Oval 16">
               <a:extLst>
                 <a:ext uri="{FF2B5EF4-FFF2-40B4-BE49-F238E27FC236}">
-                  <a16:creationId xmlns:a16="http://schemas.microsoft.com/office/drawing/2014/main" id="{2F6D5F58-E4CF-7B1E-C96A-24EC8EE00D8E}"/>
+                  <a16:creationId xmlns:a16="http://schemas.microsoft.com/office/drawing/2014/main" id="{AFAE95F4-4808-6621-EA48-F054D263E35F}"/>
                 </a:ext>
               </a:extLst>
             </p:cNvPr>
@@ -38921,6 +39206,9 @@
             <a:prstGeom prst="ellipse">
               <a:avLst/>
             </a:prstGeom>
+            <a:solidFill>
+              <a:srgbClr val="00B050"/>
+            </a:solidFill>
             <a:ln>
               <a:solidFill>
                 <a:srgbClr val="0070C0"/>
@@ -38957,7 +39245,7 @@
             <p:cNvPr id="18" name="Oval 17">
               <a:extLst>
                 <a:ext uri="{FF2B5EF4-FFF2-40B4-BE49-F238E27FC236}">
-                  <a16:creationId xmlns:a16="http://schemas.microsoft.com/office/drawing/2014/main" id="{0817185D-62FA-A126-CC7B-4CAF34A38A52}"/>
+                  <a16:creationId xmlns:a16="http://schemas.microsoft.com/office/drawing/2014/main" id="{C68CCCC0-EACA-BDE7-672A-DC2603CDCEC3}"/>
                 </a:ext>
               </a:extLst>
             </p:cNvPr>
@@ -38972,6 +39260,9 @@
             <a:prstGeom prst="ellipse">
               <a:avLst/>
             </a:prstGeom>
+            <a:solidFill>
+              <a:srgbClr val="00B050"/>
+            </a:solidFill>
             <a:ln>
               <a:solidFill>
                 <a:srgbClr val="0070C0"/>
@@ -39008,7 +39299,7 @@
             <p:cNvPr id="22" name="Oval 21">
               <a:extLst>
                 <a:ext uri="{FF2B5EF4-FFF2-40B4-BE49-F238E27FC236}">
-                  <a16:creationId xmlns:a16="http://schemas.microsoft.com/office/drawing/2014/main" id="{44072195-9EBE-96C9-CEE2-B841869693E3}"/>
+                  <a16:creationId xmlns:a16="http://schemas.microsoft.com/office/drawing/2014/main" id="{FA5AC13E-9409-2814-8534-E3C6FF6685A0}"/>
                 </a:ext>
               </a:extLst>
             </p:cNvPr>
@@ -39023,6 +39314,9 @@
             <a:prstGeom prst="ellipse">
               <a:avLst/>
             </a:prstGeom>
+            <a:solidFill>
+              <a:srgbClr val="00B050"/>
+            </a:solidFill>
             <a:ln>
               <a:solidFill>
                 <a:srgbClr val="0070C0"/>
@@ -39059,7 +39353,7 @@
             <p:cNvPr id="23" name="Oval 22">
               <a:extLst>
                 <a:ext uri="{FF2B5EF4-FFF2-40B4-BE49-F238E27FC236}">
-                  <a16:creationId xmlns:a16="http://schemas.microsoft.com/office/drawing/2014/main" id="{C17725F2-8CF1-7950-10AC-3CAC9F556FB0}"/>
+                  <a16:creationId xmlns:a16="http://schemas.microsoft.com/office/drawing/2014/main" id="{95DAAA61-FDA4-CC78-9336-B4BF64C3F521}"/>
                 </a:ext>
               </a:extLst>
             </p:cNvPr>
@@ -39074,6 +39368,9 @@
             <a:prstGeom prst="ellipse">
               <a:avLst/>
             </a:prstGeom>
+            <a:solidFill>
+              <a:srgbClr val="00B050"/>
+            </a:solidFill>
             <a:ln>
               <a:solidFill>
                 <a:srgbClr val="0070C0"/>
@@ -39110,7 +39407,7 @@
             <p:cNvPr id="24" name="Oval 23">
               <a:extLst>
                 <a:ext uri="{FF2B5EF4-FFF2-40B4-BE49-F238E27FC236}">
-                  <a16:creationId xmlns:a16="http://schemas.microsoft.com/office/drawing/2014/main" id="{8C0C9B38-7628-3B7D-0B84-95FB7D4E7819}"/>
+                  <a16:creationId xmlns:a16="http://schemas.microsoft.com/office/drawing/2014/main" id="{65EA0F81-57BE-7E85-4FF3-A45F66EFCA22}"/>
                 </a:ext>
               </a:extLst>
             </p:cNvPr>
@@ -39125,6 +39422,9 @@
             <a:prstGeom prst="ellipse">
               <a:avLst/>
             </a:prstGeom>
+            <a:solidFill>
+              <a:srgbClr val="00B050"/>
+            </a:solidFill>
             <a:ln>
               <a:solidFill>
                 <a:srgbClr val="0070C0"/>
@@ -39161,7 +39461,7 @@
             <p:cNvPr id="25" name="Oval 24">
               <a:extLst>
                 <a:ext uri="{FF2B5EF4-FFF2-40B4-BE49-F238E27FC236}">
-                  <a16:creationId xmlns:a16="http://schemas.microsoft.com/office/drawing/2014/main" id="{A710FDE0-A6A4-8749-C642-3F5549255DCD}"/>
+                  <a16:creationId xmlns:a16="http://schemas.microsoft.com/office/drawing/2014/main" id="{D12FFFEF-B3E6-909D-8187-2B3DAD5276A1}"/>
                 </a:ext>
               </a:extLst>
             </p:cNvPr>
@@ -39176,6 +39476,9 @@
             <a:prstGeom prst="ellipse">
               <a:avLst/>
             </a:prstGeom>
+            <a:solidFill>
+              <a:srgbClr val="00B050"/>
+            </a:solidFill>
             <a:ln>
               <a:solidFill>
                 <a:srgbClr val="0070C0"/>
@@ -39212,7 +39515,7 @@
             <p:cNvPr id="26" name="Oval 25">
               <a:extLst>
                 <a:ext uri="{FF2B5EF4-FFF2-40B4-BE49-F238E27FC236}">
-                  <a16:creationId xmlns:a16="http://schemas.microsoft.com/office/drawing/2014/main" id="{A8B875DF-8565-D693-D6C8-C1F325119CF7}"/>
+                  <a16:creationId xmlns:a16="http://schemas.microsoft.com/office/drawing/2014/main" id="{B48800B2-F8A1-48E0-EF46-D7DF0E55A21B}"/>
                 </a:ext>
               </a:extLst>
             </p:cNvPr>
@@ -39227,6 +39530,9 @@
             <a:prstGeom prst="ellipse">
               <a:avLst/>
             </a:prstGeom>
+            <a:solidFill>
+              <a:srgbClr val="00B050"/>
+            </a:solidFill>
             <a:ln>
               <a:solidFill>
                 <a:srgbClr val="0070C0"/>
@@ -39264,7 +39570,7 @@
           <p:cNvPr id="28" name="Group 27">
             <a:extLst>
               <a:ext uri="{FF2B5EF4-FFF2-40B4-BE49-F238E27FC236}">
-                <a16:creationId xmlns:a16="http://schemas.microsoft.com/office/drawing/2014/main" id="{83C84AA9-7E59-E502-968D-EC5F4D2F9B05}"/>
+                <a16:creationId xmlns:a16="http://schemas.microsoft.com/office/drawing/2014/main" id="{7E9BB6B2-36B4-255A-3250-A7F38FA8156F}"/>
               </a:ext>
             </a:extLst>
           </p:cNvPr>
@@ -39284,7 +39590,7 @@
             <p:cNvPr id="29" name="Oval 28">
               <a:extLst>
                 <a:ext uri="{FF2B5EF4-FFF2-40B4-BE49-F238E27FC236}">
-                  <a16:creationId xmlns:a16="http://schemas.microsoft.com/office/drawing/2014/main" id="{DE984B83-4615-B15A-7877-15AE7840DB22}"/>
+                  <a16:creationId xmlns:a16="http://schemas.microsoft.com/office/drawing/2014/main" id="{0ABA0AD9-F1BD-2C90-A805-E1994A9EFA9C}"/>
                 </a:ext>
               </a:extLst>
             </p:cNvPr>
@@ -39299,6 +39605,9 @@
             <a:prstGeom prst="ellipse">
               <a:avLst/>
             </a:prstGeom>
+            <a:solidFill>
+              <a:srgbClr val="00B050"/>
+            </a:solidFill>
             <a:ln>
               <a:solidFill>
                 <a:srgbClr val="0070C0"/>
@@ -39335,7 +39644,7 @@
             <p:cNvPr id="30" name="Oval 29">
               <a:extLst>
                 <a:ext uri="{FF2B5EF4-FFF2-40B4-BE49-F238E27FC236}">
-                  <a16:creationId xmlns:a16="http://schemas.microsoft.com/office/drawing/2014/main" id="{E7374753-605C-088C-6DB9-CBB784B3F33C}"/>
+                  <a16:creationId xmlns:a16="http://schemas.microsoft.com/office/drawing/2014/main" id="{DEE7B25A-8E7D-314D-540E-8E5AE3497893}"/>
                 </a:ext>
               </a:extLst>
             </p:cNvPr>
@@ -39384,7 +39693,7 @@
             <p:cNvPr id="31" name="Oval 30">
               <a:extLst>
                 <a:ext uri="{FF2B5EF4-FFF2-40B4-BE49-F238E27FC236}">
-                  <a16:creationId xmlns:a16="http://schemas.microsoft.com/office/drawing/2014/main" id="{39827D3A-4F0D-8AEA-EC91-127D6E76F8CA}"/>
+                  <a16:creationId xmlns:a16="http://schemas.microsoft.com/office/drawing/2014/main" id="{7C928FBF-5102-3EAC-62DE-C79A719EE9C8}"/>
                 </a:ext>
               </a:extLst>
             </p:cNvPr>
@@ -39433,7 +39742,7 @@
             <p:cNvPr id="32" name="Oval 31">
               <a:extLst>
                 <a:ext uri="{FF2B5EF4-FFF2-40B4-BE49-F238E27FC236}">
-                  <a16:creationId xmlns:a16="http://schemas.microsoft.com/office/drawing/2014/main" id="{35F1C11C-DE88-F44A-B542-B0E62E7857F1}"/>
+                  <a16:creationId xmlns:a16="http://schemas.microsoft.com/office/drawing/2014/main" id="{DDBEB6F6-87BB-1050-3D81-D657DFC74F2A}"/>
                 </a:ext>
               </a:extLst>
             </p:cNvPr>
@@ -39482,7 +39791,7 @@
             <p:cNvPr id="33" name="Straight Connector 32">
               <a:extLst>
                 <a:ext uri="{FF2B5EF4-FFF2-40B4-BE49-F238E27FC236}">
-                  <a16:creationId xmlns:a16="http://schemas.microsoft.com/office/drawing/2014/main" id="{D2B4E740-A5C4-7D9F-0055-B119A27DA3F7}"/>
+                  <a16:creationId xmlns:a16="http://schemas.microsoft.com/office/drawing/2014/main" id="{1661EF0B-D520-79B1-FF6A-B7D83C614940}"/>
                 </a:ext>
               </a:extLst>
             </p:cNvPr>
@@ -39525,7 +39834,7 @@
             <p:cNvPr id="34" name="Oval 33">
               <a:extLst>
                 <a:ext uri="{FF2B5EF4-FFF2-40B4-BE49-F238E27FC236}">
-                  <a16:creationId xmlns:a16="http://schemas.microsoft.com/office/drawing/2014/main" id="{16544166-0C19-05EA-2CA8-510964ADC19B}"/>
+                  <a16:creationId xmlns:a16="http://schemas.microsoft.com/office/drawing/2014/main" id="{282021CC-63CB-B41A-2D80-EF61BA3BD3F1}"/>
                 </a:ext>
               </a:extLst>
             </p:cNvPr>
@@ -39540,6 +39849,9 @@
             <a:prstGeom prst="ellipse">
               <a:avLst/>
             </a:prstGeom>
+            <a:solidFill>
+              <a:srgbClr val="00B050"/>
+            </a:solidFill>
             <a:ln>
               <a:solidFill>
                 <a:srgbClr val="0070C0"/>
@@ -39576,7 +39888,7 @@
             <p:cNvPr id="35" name="Oval 34">
               <a:extLst>
                 <a:ext uri="{FF2B5EF4-FFF2-40B4-BE49-F238E27FC236}">
-                  <a16:creationId xmlns:a16="http://schemas.microsoft.com/office/drawing/2014/main" id="{2A81EE61-0DAA-0FBF-92DB-8095C8AD7E63}"/>
+                  <a16:creationId xmlns:a16="http://schemas.microsoft.com/office/drawing/2014/main" id="{D37759C5-7EBD-BCD7-6CB6-12CAE417F78A}"/>
                 </a:ext>
               </a:extLst>
             </p:cNvPr>
@@ -39591,6 +39903,9 @@
             <a:prstGeom prst="ellipse">
               <a:avLst/>
             </a:prstGeom>
+            <a:solidFill>
+              <a:srgbClr val="00B050"/>
+            </a:solidFill>
             <a:ln>
               <a:solidFill>
                 <a:srgbClr val="0070C0"/>
@@ -39627,7 +39942,7 @@
             <p:cNvPr id="36" name="Oval 35">
               <a:extLst>
                 <a:ext uri="{FF2B5EF4-FFF2-40B4-BE49-F238E27FC236}">
-                  <a16:creationId xmlns:a16="http://schemas.microsoft.com/office/drawing/2014/main" id="{BC27CC33-339F-065D-A737-9347B3437E95}"/>
+                  <a16:creationId xmlns:a16="http://schemas.microsoft.com/office/drawing/2014/main" id="{254C0C65-182C-C728-55F1-996ED20820D2}"/>
                 </a:ext>
               </a:extLst>
             </p:cNvPr>
@@ -39642,6 +39957,9 @@
             <a:prstGeom prst="ellipse">
               <a:avLst/>
             </a:prstGeom>
+            <a:solidFill>
+              <a:srgbClr val="00B050"/>
+            </a:solidFill>
             <a:ln>
               <a:solidFill>
                 <a:srgbClr val="0070C0"/>
@@ -39678,7 +39996,7 @@
             <p:cNvPr id="37" name="Oval 36">
               <a:extLst>
                 <a:ext uri="{FF2B5EF4-FFF2-40B4-BE49-F238E27FC236}">
-                  <a16:creationId xmlns:a16="http://schemas.microsoft.com/office/drawing/2014/main" id="{9398B03E-8C8C-EA03-AC63-329BF3DD6452}"/>
+                  <a16:creationId xmlns:a16="http://schemas.microsoft.com/office/drawing/2014/main" id="{0464BF11-0597-68B3-E08E-657B431840EC}"/>
                 </a:ext>
               </a:extLst>
             </p:cNvPr>
@@ -39693,6 +40011,9 @@
             <a:prstGeom prst="ellipse">
               <a:avLst/>
             </a:prstGeom>
+            <a:solidFill>
+              <a:srgbClr val="00B050"/>
+            </a:solidFill>
             <a:ln>
               <a:solidFill>
                 <a:srgbClr val="0070C0"/>
@@ -39729,7 +40050,7 @@
             <p:cNvPr id="38" name="Oval 37">
               <a:extLst>
                 <a:ext uri="{FF2B5EF4-FFF2-40B4-BE49-F238E27FC236}">
-                  <a16:creationId xmlns:a16="http://schemas.microsoft.com/office/drawing/2014/main" id="{16B9DA3A-5B35-B418-B1C3-5CDD77E2DDDD}"/>
+                  <a16:creationId xmlns:a16="http://schemas.microsoft.com/office/drawing/2014/main" id="{088D257D-A225-53DF-58D8-0A37A7D5E373}"/>
                 </a:ext>
               </a:extLst>
             </p:cNvPr>
@@ -39744,6 +40065,9 @@
             <a:prstGeom prst="ellipse">
               <a:avLst/>
             </a:prstGeom>
+            <a:solidFill>
+              <a:srgbClr val="00B050"/>
+            </a:solidFill>
             <a:ln>
               <a:solidFill>
                 <a:srgbClr val="0070C0"/>
@@ -39780,7 +40104,7 @@
             <p:cNvPr id="39" name="Oval 38">
               <a:extLst>
                 <a:ext uri="{FF2B5EF4-FFF2-40B4-BE49-F238E27FC236}">
-                  <a16:creationId xmlns:a16="http://schemas.microsoft.com/office/drawing/2014/main" id="{237C53DE-2CBA-063A-5566-7FA989D2C411}"/>
+                  <a16:creationId xmlns:a16="http://schemas.microsoft.com/office/drawing/2014/main" id="{42FB443C-080F-8257-54ED-44059C1698D1}"/>
                 </a:ext>
               </a:extLst>
             </p:cNvPr>
@@ -39795,6 +40119,9 @@
             <a:prstGeom prst="ellipse">
               <a:avLst/>
             </a:prstGeom>
+            <a:solidFill>
+              <a:srgbClr val="00B050"/>
+            </a:solidFill>
             <a:ln>
               <a:solidFill>
                 <a:srgbClr val="0070C0"/>
@@ -39831,7 +40158,7 @@
             <p:cNvPr id="40" name="Oval 39">
               <a:extLst>
                 <a:ext uri="{FF2B5EF4-FFF2-40B4-BE49-F238E27FC236}">
-                  <a16:creationId xmlns:a16="http://schemas.microsoft.com/office/drawing/2014/main" id="{CF16DB2D-F00E-0C35-CB1B-DFD7C4A444AC}"/>
+                  <a16:creationId xmlns:a16="http://schemas.microsoft.com/office/drawing/2014/main" id="{E7AD99D2-DB05-1D1B-12F7-C6D5C1183EB6}"/>
                 </a:ext>
               </a:extLst>
             </p:cNvPr>
@@ -39846,6 +40173,9 @@
             <a:prstGeom prst="ellipse">
               <a:avLst/>
             </a:prstGeom>
+            <a:solidFill>
+              <a:srgbClr val="00B050"/>
+            </a:solidFill>
             <a:ln>
               <a:solidFill>
                 <a:srgbClr val="0070C0"/>
@@ -39882,7 +40212,7 @@
             <p:cNvPr id="41" name="Oval 40">
               <a:extLst>
                 <a:ext uri="{FF2B5EF4-FFF2-40B4-BE49-F238E27FC236}">
-                  <a16:creationId xmlns:a16="http://schemas.microsoft.com/office/drawing/2014/main" id="{20A572E6-FB49-0DA5-376F-1EF2930659B2}"/>
+                  <a16:creationId xmlns:a16="http://schemas.microsoft.com/office/drawing/2014/main" id="{F2736742-9A90-9B13-7CDA-4F788B3D59D6}"/>
                 </a:ext>
               </a:extLst>
             </p:cNvPr>
@@ -39897,6 +40227,9 @@
             <a:prstGeom prst="ellipse">
               <a:avLst/>
             </a:prstGeom>
+            <a:solidFill>
+              <a:srgbClr val="00B050"/>
+            </a:solidFill>
             <a:ln>
               <a:solidFill>
                 <a:srgbClr val="0070C0"/>
@@ -39933,7 +40266,7 @@
             <p:cNvPr id="42" name="Oval 41">
               <a:extLst>
                 <a:ext uri="{FF2B5EF4-FFF2-40B4-BE49-F238E27FC236}">
-                  <a16:creationId xmlns:a16="http://schemas.microsoft.com/office/drawing/2014/main" id="{20727A12-3DEF-A5EE-1F0E-40FA6B6B473A}"/>
+                  <a16:creationId xmlns:a16="http://schemas.microsoft.com/office/drawing/2014/main" id="{B74C665D-5839-C1BE-8BD1-10C68E1549AC}"/>
                 </a:ext>
               </a:extLst>
             </p:cNvPr>
@@ -39948,6 +40281,9 @@
             <a:prstGeom prst="ellipse">
               <a:avLst/>
             </a:prstGeom>
+            <a:solidFill>
+              <a:srgbClr val="00B050"/>
+            </a:solidFill>
             <a:ln>
               <a:solidFill>
                 <a:srgbClr val="0070C0"/>
@@ -39984,7 +40320,7 @@
             <p:cNvPr id="43" name="Oval 42">
               <a:extLst>
                 <a:ext uri="{FF2B5EF4-FFF2-40B4-BE49-F238E27FC236}">
-                  <a16:creationId xmlns:a16="http://schemas.microsoft.com/office/drawing/2014/main" id="{99C36F80-B6FB-795E-B7C4-F7412ADE659F}"/>
+                  <a16:creationId xmlns:a16="http://schemas.microsoft.com/office/drawing/2014/main" id="{FE03EE9F-90E0-C7B3-10D9-391CA38523FE}"/>
                 </a:ext>
               </a:extLst>
             </p:cNvPr>
@@ -39999,6 +40335,9 @@
             <a:prstGeom prst="ellipse">
               <a:avLst/>
             </a:prstGeom>
+            <a:solidFill>
+              <a:srgbClr val="00B050"/>
+            </a:solidFill>
             <a:ln>
               <a:solidFill>
                 <a:srgbClr val="0070C0"/>
@@ -40035,7 +40374,7 @@
             <p:cNvPr id="44" name="Oval 43">
               <a:extLst>
                 <a:ext uri="{FF2B5EF4-FFF2-40B4-BE49-F238E27FC236}">
-                  <a16:creationId xmlns:a16="http://schemas.microsoft.com/office/drawing/2014/main" id="{266659B6-D2E1-869F-5E91-4A342A1AB5BA}"/>
+                  <a16:creationId xmlns:a16="http://schemas.microsoft.com/office/drawing/2014/main" id="{1C8E6600-5EDE-D3A1-C649-656E9B4BE04C}"/>
                 </a:ext>
               </a:extLst>
             </p:cNvPr>
@@ -40050,6 +40389,9 @@
             <a:prstGeom prst="ellipse">
               <a:avLst/>
             </a:prstGeom>
+            <a:solidFill>
+              <a:srgbClr val="00B050"/>
+            </a:solidFill>
             <a:ln>
               <a:solidFill>
                 <a:srgbClr val="0070C0"/>
@@ -40086,7 +40428,7 @@
             <p:cNvPr id="45" name="Oval 44">
               <a:extLst>
                 <a:ext uri="{FF2B5EF4-FFF2-40B4-BE49-F238E27FC236}">
-                  <a16:creationId xmlns:a16="http://schemas.microsoft.com/office/drawing/2014/main" id="{152B4127-F065-90A4-ABAF-8D1F959B8AC1}"/>
+                  <a16:creationId xmlns:a16="http://schemas.microsoft.com/office/drawing/2014/main" id="{A720CE54-8F96-84E9-0035-42D32E45F78B}"/>
                 </a:ext>
               </a:extLst>
             </p:cNvPr>
@@ -40101,6 +40443,9 @@
             <a:prstGeom prst="ellipse">
               <a:avLst/>
             </a:prstGeom>
+            <a:solidFill>
+              <a:srgbClr val="00B050"/>
+            </a:solidFill>
             <a:ln>
               <a:solidFill>
                 <a:srgbClr val="0070C0"/>
@@ -40137,7 +40482,7 @@
             <p:cNvPr id="46" name="Oval 45">
               <a:extLst>
                 <a:ext uri="{FF2B5EF4-FFF2-40B4-BE49-F238E27FC236}">
-                  <a16:creationId xmlns:a16="http://schemas.microsoft.com/office/drawing/2014/main" id="{3A56E8AB-936C-CCBA-2810-D77F3AF596FD}"/>
+                  <a16:creationId xmlns:a16="http://schemas.microsoft.com/office/drawing/2014/main" id="{5AE618A4-9D3D-2B4D-8A4E-A565E0545D6C}"/>
                 </a:ext>
               </a:extLst>
             </p:cNvPr>
@@ -40152,6 +40497,9 @@
             <a:prstGeom prst="ellipse">
               <a:avLst/>
             </a:prstGeom>
+            <a:solidFill>
+              <a:srgbClr val="00B050"/>
+            </a:solidFill>
             <a:ln>
               <a:solidFill>
                 <a:srgbClr val="0070C0"/>
@@ -40188,7 +40536,7 @@
             <p:cNvPr id="47" name="Oval 46">
               <a:extLst>
                 <a:ext uri="{FF2B5EF4-FFF2-40B4-BE49-F238E27FC236}">
-                  <a16:creationId xmlns:a16="http://schemas.microsoft.com/office/drawing/2014/main" id="{5437EDE4-B5F7-FEDC-AB89-5B770206200E}"/>
+                  <a16:creationId xmlns:a16="http://schemas.microsoft.com/office/drawing/2014/main" id="{7E2943C7-70E7-C3C0-6E5D-880FEBA9CE14}"/>
                 </a:ext>
               </a:extLst>
             </p:cNvPr>
@@ -40203,6 +40551,9 @@
             <a:prstGeom prst="ellipse">
               <a:avLst/>
             </a:prstGeom>
+            <a:solidFill>
+              <a:srgbClr val="00B050"/>
+            </a:solidFill>
             <a:ln>
               <a:solidFill>
                 <a:srgbClr val="0070C0"/>
@@ -40239,7 +40590,7 @@
             <p:cNvPr id="48" name="Oval 47">
               <a:extLst>
                 <a:ext uri="{FF2B5EF4-FFF2-40B4-BE49-F238E27FC236}">
-                  <a16:creationId xmlns:a16="http://schemas.microsoft.com/office/drawing/2014/main" id="{E25F0E9D-A769-49B3-902B-ACEFBBC5032E}"/>
+                  <a16:creationId xmlns:a16="http://schemas.microsoft.com/office/drawing/2014/main" id="{9C2ACA21-15E8-6F24-4CB8-ED171D584403}"/>
                 </a:ext>
               </a:extLst>
             </p:cNvPr>
@@ -40254,6 +40605,9 @@
             <a:prstGeom prst="ellipse">
               <a:avLst/>
             </a:prstGeom>
+            <a:solidFill>
+              <a:srgbClr val="00B050"/>
+            </a:solidFill>
             <a:ln>
               <a:solidFill>
                 <a:srgbClr val="0070C0"/>
@@ -40286,14 +40640,143 @@
           </p:txBody>
         </p:sp>
       </p:grpSp>
-      <mc:AlternateContent xmlns:mc="http://schemas.openxmlformats.org/markup-compatibility/2006" xmlns:a14="http://schemas.microsoft.com/office/drawing/2010/main">
-        <mc:Choice Requires="a14">
+      <p:sp>
+        <p:nvSpPr>
+          <p:cNvPr id="50" name="TextBox 49">
+            <a:extLst>
+              <a:ext uri="{FF2B5EF4-FFF2-40B4-BE49-F238E27FC236}">
+                <a16:creationId xmlns:a16="http://schemas.microsoft.com/office/drawing/2014/main" id="{58D85DC1-C214-EB33-7E24-4BAEDB8D6A5F}"/>
+              </a:ext>
+            </a:extLst>
+          </p:cNvPr>
+          <p:cNvSpPr txBox="1"/>
+          <p:nvPr/>
+        </p:nvSpPr>
+        <p:spPr>
+          <a:xfrm>
+            <a:off x="3883641" y="1774544"/>
+            <a:ext cx="1009237" cy="584775"/>
+          </a:xfrm>
+          <a:prstGeom prst="rect">
+            <a:avLst/>
+          </a:prstGeom>
+          <a:noFill/>
+          <a:ln w="38100">
+            <a:solidFill>
+              <a:srgbClr val="00B050"/>
+            </a:solidFill>
+          </a:ln>
+        </p:spPr>
+        <p:txBody>
+          <a:bodyPr wrap="square">
+            <a:spAutoFit/>
+          </a:bodyPr>
+          <a:lstStyle/>
+          <a:p>
+            <a:r>
+              <a:rPr lang="en-US" sz="3200" dirty="0">
+                <a:latin typeface="Cambria Math" panose="02040503050406030204" pitchFamily="18" charset="0"/>
+                <a:ea typeface="Cambria Math" panose="02040503050406030204" pitchFamily="18" charset="0"/>
+              </a:rPr>
+              <a:t>1.3</a:t>
+            </a:r>
+          </a:p>
+        </p:txBody>
+      </p:sp>
+      <p:sp>
+        <p:nvSpPr>
+          <p:cNvPr id="52" name="TextBox 51">
+            <a:extLst>
+              <a:ext uri="{FF2B5EF4-FFF2-40B4-BE49-F238E27FC236}">
+                <a16:creationId xmlns:a16="http://schemas.microsoft.com/office/drawing/2014/main" id="{FE9DBC41-25B0-8E1F-D752-5CD444FB83B8}"/>
+              </a:ext>
+            </a:extLst>
+          </p:cNvPr>
+          <p:cNvSpPr txBox="1"/>
+          <p:nvPr/>
+        </p:nvSpPr>
+        <p:spPr>
+          <a:xfrm>
+            <a:off x="3899430" y="3330020"/>
+            <a:ext cx="1009237" cy="584775"/>
+          </a:xfrm>
+          <a:prstGeom prst="rect">
+            <a:avLst/>
+          </a:prstGeom>
+          <a:noFill/>
+          <a:ln w="38100">
+            <a:solidFill>
+              <a:srgbClr val="00B050"/>
+            </a:solidFill>
+          </a:ln>
+        </p:spPr>
+        <p:txBody>
+          <a:bodyPr wrap="square">
+            <a:spAutoFit/>
+          </a:bodyPr>
+          <a:lstStyle/>
+          <a:p>
+            <a:r>
+              <a:rPr lang="en-US" sz="3200" dirty="0">
+                <a:latin typeface="Cambria Math" panose="02040503050406030204" pitchFamily="18" charset="0"/>
+                <a:ea typeface="Cambria Math" panose="02040503050406030204" pitchFamily="18" charset="0"/>
+              </a:rPr>
+              <a:t>2.7</a:t>
+            </a:r>
+          </a:p>
+        </p:txBody>
+      </p:sp>
+      <p:sp>
+        <p:nvSpPr>
+          <p:cNvPr id="54" name="TextBox 53">
+            <a:extLst>
+              <a:ext uri="{FF2B5EF4-FFF2-40B4-BE49-F238E27FC236}">
+                <a16:creationId xmlns:a16="http://schemas.microsoft.com/office/drawing/2014/main" id="{9BD4F025-4CC6-5E22-848C-1080AB424296}"/>
+              </a:ext>
+            </a:extLst>
+          </p:cNvPr>
+          <p:cNvSpPr txBox="1"/>
+          <p:nvPr/>
+        </p:nvSpPr>
+        <p:spPr>
+          <a:xfrm>
+            <a:off x="3813056" y="4896424"/>
+            <a:ext cx="1009237" cy="584775"/>
+          </a:xfrm>
+          <a:prstGeom prst="rect">
+            <a:avLst/>
+          </a:prstGeom>
+          <a:noFill/>
+          <a:ln w="38100">
+            <a:solidFill>
+              <a:srgbClr val="00B050"/>
+            </a:solidFill>
+          </a:ln>
+        </p:spPr>
+        <p:txBody>
+          <a:bodyPr wrap="square">
+            <a:spAutoFit/>
+          </a:bodyPr>
+          <a:lstStyle/>
+          <a:p>
+            <a:r>
+              <a:rPr lang="en-US" sz="3200" dirty="0">
+                <a:latin typeface="Cambria Math" panose="02040503050406030204" pitchFamily="18" charset="0"/>
+                <a:ea typeface="Cambria Math" panose="02040503050406030204" pitchFamily="18" charset="0"/>
+              </a:rPr>
+              <a:t>5.33</a:t>
+            </a:r>
+          </a:p>
+        </p:txBody>
+      </p:sp>
+      <mc:AlternateContent xmlns:mc="http://schemas.openxmlformats.org/markup-compatibility/2006">
+        <mc:Choice xmlns:a14="http://schemas.microsoft.com/office/drawing/2010/main" Requires="a14">
           <p:sp>
             <p:nvSpPr>
-              <p:cNvPr id="49" name="TextBox 48">
+              <p:cNvPr id="12" name="TextBox 11">
                 <a:extLst>
                   <a:ext uri="{FF2B5EF4-FFF2-40B4-BE49-F238E27FC236}">
-                    <a16:creationId xmlns:a16="http://schemas.microsoft.com/office/drawing/2014/main" id="{30D00E6A-9276-EB2E-B3A1-41B9A67B9F0E}"/>
+                    <a16:creationId xmlns:a16="http://schemas.microsoft.com/office/drawing/2014/main" id="{0592253D-5397-1B1C-59C2-EFDC99F0EF59}"/>
                   </a:ext>
                 </a:extLst>
               </p:cNvPr>
@@ -40368,13 +40851,13 @@
             </p:txBody>
           </p:sp>
         </mc:Choice>
-        <mc:Fallback xmlns="">
+        <mc:Fallback>
           <p:sp>
             <p:nvSpPr>
-              <p:cNvPr id="49" name="TextBox 48">
+              <p:cNvPr id="12" name="TextBox 11">
                 <a:extLst>
                   <a:ext uri="{FF2B5EF4-FFF2-40B4-BE49-F238E27FC236}">
-                    <a16:creationId xmlns:a16="http://schemas.microsoft.com/office/drawing/2014/main" id="{30D00E6A-9276-EB2E-B3A1-41B9A67B9F0E}"/>
+                    <a16:creationId xmlns:a16="http://schemas.microsoft.com/office/drawing/2014/main" id="{0592253D-5397-1B1C-59C2-EFDC99F0EF59}"/>
                   </a:ext>
                 </a:extLst>
               </p:cNvPr>
@@ -40394,7 +40877,7 @@
               <a:blipFill>
                 <a:blip r:embed="rId4"/>
                 <a:stretch>
-                  <a:fillRect b="-7407"/>
+                  <a:fillRect/>
                 </a:stretch>
               </a:blipFill>
             </p:spPr>
@@ -40403,7 +40886,7 @@
               <a:lstStyle/>
               <a:p>
                 <a:r>
-                  <a:rPr lang="en-US">
+                  <a:rPr lang="en-PH">
                     <a:noFill/>
                   </a:rPr>
                   <a:t> </a:t>
@@ -40413,57 +40896,14 @@
           </p:sp>
         </mc:Fallback>
       </mc:AlternateContent>
-      <p:sp>
-        <p:nvSpPr>
-          <p:cNvPr id="50" name="TextBox 49">
-            <a:extLst>
-              <a:ext uri="{FF2B5EF4-FFF2-40B4-BE49-F238E27FC236}">
-                <a16:creationId xmlns:a16="http://schemas.microsoft.com/office/drawing/2014/main" id="{B7FC2E62-612B-A7A6-8A4F-63D5504EE035}"/>
-              </a:ext>
-            </a:extLst>
-          </p:cNvPr>
-          <p:cNvSpPr txBox="1"/>
-          <p:nvPr/>
-        </p:nvSpPr>
-        <p:spPr>
-          <a:xfrm>
-            <a:off x="3883641" y="1774544"/>
-            <a:ext cx="1009237" cy="584775"/>
-          </a:xfrm>
-          <a:prstGeom prst="rect">
-            <a:avLst/>
-          </a:prstGeom>
-          <a:noFill/>
-          <a:ln w="38100">
-            <a:solidFill>
-              <a:srgbClr val="00B050"/>
-            </a:solidFill>
-          </a:ln>
-        </p:spPr>
-        <p:txBody>
-          <a:bodyPr wrap="square">
-            <a:spAutoFit/>
-          </a:bodyPr>
-          <a:lstStyle/>
-          <a:p>
-            <a:r>
-              <a:rPr lang="en-US" sz="3200" dirty="0">
-                <a:latin typeface="Cambria Math" panose="02040503050406030204" pitchFamily="18" charset="0"/>
-                <a:ea typeface="Cambria Math" panose="02040503050406030204" pitchFamily="18" charset="0"/>
-              </a:rPr>
-              <a:t>1.3</a:t>
-            </a:r>
-          </a:p>
-        </p:txBody>
-      </p:sp>
-      <mc:AlternateContent xmlns:mc="http://schemas.openxmlformats.org/markup-compatibility/2006" xmlns:a14="http://schemas.microsoft.com/office/drawing/2010/main">
-        <mc:Choice Requires="a14">
+      <mc:AlternateContent xmlns:mc="http://schemas.openxmlformats.org/markup-compatibility/2006">
+        <mc:Choice xmlns:a14="http://schemas.microsoft.com/office/drawing/2010/main" Requires="a14">
           <p:sp>
             <p:nvSpPr>
-              <p:cNvPr id="51" name="TextBox 50">
+              <p:cNvPr id="13" name="TextBox 12">
                 <a:extLst>
                   <a:ext uri="{FF2B5EF4-FFF2-40B4-BE49-F238E27FC236}">
-                    <a16:creationId xmlns:a16="http://schemas.microsoft.com/office/drawing/2014/main" id="{DACB7A92-14A1-13CA-4B3B-0AB632F2FCE9}"/>
+                    <a16:creationId xmlns:a16="http://schemas.microsoft.com/office/drawing/2014/main" id="{A37ECF9E-FF44-A4A9-A4CC-5DC2EF5A6A3F}"/>
                   </a:ext>
                 </a:extLst>
               </p:cNvPr>
@@ -40538,13 +40978,13 @@
             </p:txBody>
           </p:sp>
         </mc:Choice>
-        <mc:Fallback xmlns="">
+        <mc:Fallback>
           <p:sp>
             <p:nvSpPr>
-              <p:cNvPr id="51" name="TextBox 50">
+              <p:cNvPr id="13" name="TextBox 12">
                 <a:extLst>
                   <a:ext uri="{FF2B5EF4-FFF2-40B4-BE49-F238E27FC236}">
-                    <a16:creationId xmlns:a16="http://schemas.microsoft.com/office/drawing/2014/main" id="{DACB7A92-14A1-13CA-4B3B-0AB632F2FCE9}"/>
+                    <a16:creationId xmlns:a16="http://schemas.microsoft.com/office/drawing/2014/main" id="{A37ECF9E-FF44-A4A9-A4CC-5DC2EF5A6A3F}"/>
                   </a:ext>
                 </a:extLst>
               </p:cNvPr>
@@ -40564,7 +41004,7 @@
               <a:blipFill>
                 <a:blip r:embed="rId5"/>
                 <a:stretch>
-                  <a:fillRect b="-8750"/>
+                  <a:fillRect/>
                 </a:stretch>
               </a:blipFill>
             </p:spPr>
@@ -40573,7 +41013,7 @@
               <a:lstStyle/>
               <a:p>
                 <a:r>
-                  <a:rPr lang="en-US">
+                  <a:rPr lang="en-PH">
                     <a:noFill/>
                   </a:rPr>
                   <a:t> </a:t>
@@ -40583,57 +41023,14 @@
           </p:sp>
         </mc:Fallback>
       </mc:AlternateContent>
-      <p:sp>
-        <p:nvSpPr>
-          <p:cNvPr id="52" name="TextBox 51">
-            <a:extLst>
-              <a:ext uri="{FF2B5EF4-FFF2-40B4-BE49-F238E27FC236}">
-                <a16:creationId xmlns:a16="http://schemas.microsoft.com/office/drawing/2014/main" id="{AB1007EB-24E6-AA86-4A2C-F42332FE641C}"/>
-              </a:ext>
-            </a:extLst>
-          </p:cNvPr>
-          <p:cNvSpPr txBox="1"/>
-          <p:nvPr/>
-        </p:nvSpPr>
-        <p:spPr>
-          <a:xfrm>
-            <a:off x="3899430" y="3330020"/>
-            <a:ext cx="1009237" cy="584775"/>
-          </a:xfrm>
-          <a:prstGeom prst="rect">
-            <a:avLst/>
-          </a:prstGeom>
-          <a:noFill/>
-          <a:ln w="38100">
-            <a:solidFill>
-              <a:srgbClr val="00B050"/>
-            </a:solidFill>
-          </a:ln>
-        </p:spPr>
-        <p:txBody>
-          <a:bodyPr wrap="square">
-            <a:spAutoFit/>
-          </a:bodyPr>
-          <a:lstStyle/>
-          <a:p>
-            <a:r>
-              <a:rPr lang="en-US" sz="3200" dirty="0">
-                <a:latin typeface="Cambria Math" panose="02040503050406030204" pitchFamily="18" charset="0"/>
-                <a:ea typeface="Cambria Math" panose="02040503050406030204" pitchFamily="18" charset="0"/>
-              </a:rPr>
-              <a:t>2.7</a:t>
-            </a:r>
-          </a:p>
-        </p:txBody>
-      </p:sp>
-      <mc:AlternateContent xmlns:mc="http://schemas.openxmlformats.org/markup-compatibility/2006" xmlns:a14="http://schemas.microsoft.com/office/drawing/2010/main">
-        <mc:Choice Requires="a14">
+      <mc:AlternateContent xmlns:mc="http://schemas.openxmlformats.org/markup-compatibility/2006">
+        <mc:Choice xmlns:a14="http://schemas.microsoft.com/office/drawing/2010/main" Requires="a14">
           <p:sp>
             <p:nvSpPr>
-              <p:cNvPr id="53" name="TextBox 52">
+              <p:cNvPr id="57" name="TextBox 56">
                 <a:extLst>
                   <a:ext uri="{FF2B5EF4-FFF2-40B4-BE49-F238E27FC236}">
-                    <a16:creationId xmlns:a16="http://schemas.microsoft.com/office/drawing/2014/main" id="{C364B163-DDE2-173C-1DEB-0E72C70DE045}"/>
+                    <a16:creationId xmlns:a16="http://schemas.microsoft.com/office/drawing/2014/main" id="{51336352-C2F1-B32D-5546-7A373207A547}"/>
                   </a:ext>
                 </a:extLst>
               </p:cNvPr>
@@ -40708,13 +41105,13 @@
             </p:txBody>
           </p:sp>
         </mc:Choice>
-        <mc:Fallback xmlns="">
+        <mc:Fallback>
           <p:sp>
             <p:nvSpPr>
-              <p:cNvPr id="53" name="TextBox 52">
+              <p:cNvPr id="57" name="TextBox 56">
                 <a:extLst>
                   <a:ext uri="{FF2B5EF4-FFF2-40B4-BE49-F238E27FC236}">
-                    <a16:creationId xmlns:a16="http://schemas.microsoft.com/office/drawing/2014/main" id="{C364B163-DDE2-173C-1DEB-0E72C70DE045}"/>
+                    <a16:creationId xmlns:a16="http://schemas.microsoft.com/office/drawing/2014/main" id="{51336352-C2F1-B32D-5546-7A373207A547}"/>
                   </a:ext>
                 </a:extLst>
               </p:cNvPr>
@@ -40734,7 +41131,7 @@
               <a:blipFill>
                 <a:blip r:embed="rId6"/>
                 <a:stretch>
-                  <a:fillRect b="-7407"/>
+                  <a:fillRect/>
                 </a:stretch>
               </a:blipFill>
             </p:spPr>
@@ -40743,7 +41140,7 @@
               <a:lstStyle/>
               <a:p>
                 <a:r>
-                  <a:rPr lang="en-US">
+                  <a:rPr lang="en-PH">
                     <a:noFill/>
                   </a:rPr>
                   <a:t> </a:t>
@@ -40753,54 +41150,11 @@
           </p:sp>
         </mc:Fallback>
       </mc:AlternateContent>
-      <p:sp>
-        <p:nvSpPr>
-          <p:cNvPr id="54" name="TextBox 53">
-            <a:extLst>
-              <a:ext uri="{FF2B5EF4-FFF2-40B4-BE49-F238E27FC236}">
-                <a16:creationId xmlns:a16="http://schemas.microsoft.com/office/drawing/2014/main" id="{15912347-FC67-8C89-F240-C283A7C6B8B0}"/>
-              </a:ext>
-            </a:extLst>
-          </p:cNvPr>
-          <p:cNvSpPr txBox="1"/>
-          <p:nvPr/>
-        </p:nvSpPr>
-        <p:spPr>
-          <a:xfrm>
-            <a:off x="3813056" y="4896424"/>
-            <a:ext cx="1009237" cy="584775"/>
-          </a:xfrm>
-          <a:prstGeom prst="rect">
-            <a:avLst/>
-          </a:prstGeom>
-          <a:noFill/>
-          <a:ln w="38100">
-            <a:solidFill>
-              <a:srgbClr val="00B050"/>
-            </a:solidFill>
-          </a:ln>
-        </p:spPr>
-        <p:txBody>
-          <a:bodyPr wrap="square">
-            <a:spAutoFit/>
-          </a:bodyPr>
-          <a:lstStyle/>
-          <a:p>
-            <a:r>
-              <a:rPr lang="en-US" sz="3200" dirty="0">
-                <a:latin typeface="Cambria Math" panose="02040503050406030204" pitchFamily="18" charset="0"/>
-                <a:ea typeface="Cambria Math" panose="02040503050406030204" pitchFamily="18" charset="0"/>
-              </a:rPr>
-              <a:t>5.33</a:t>
-            </a:r>
-          </a:p>
-        </p:txBody>
-      </p:sp>
-      <mc:AlternateContent xmlns:mc="http://schemas.openxmlformats.org/markup-compatibility/2006" xmlns:a14="http://schemas.microsoft.com/office/drawing/2010/main">
-        <mc:Choice Requires="a14">
+      <mc:AlternateContent xmlns:mc="http://schemas.openxmlformats.org/markup-compatibility/2006">
+        <mc:Choice xmlns:a14="http://schemas.microsoft.com/office/drawing/2010/main" Requires="a14">
           <p:sp>
             <p:nvSpPr>
-              <p:cNvPr id="55" name="TextBox 54">
+              <p:cNvPr id="49" name="TextBox 48">
                 <a:extLst>
                   <a:ext uri="{FF2B5EF4-FFF2-40B4-BE49-F238E27FC236}">
                     <a16:creationId xmlns:a16="http://schemas.microsoft.com/office/drawing/2014/main" id="{8B2C1965-29EC-09C3-EFBC-7C78081C13EC}"/>
@@ -41118,7 +41472,7 @@
                 <a:r>
                   <a:rPr lang="en-GB" sz="3200" b="1" dirty="0">
                     <a:solidFill>
-                      <a:srgbClr val="0070C0"/>
+                      <a:srgbClr val="00B050"/>
                     </a:solidFill>
                   </a:rPr>
                   <a:t>winning</a:t>
@@ -41150,10 +41504,10 @@
             </p:txBody>
           </p:sp>
         </mc:Choice>
-        <mc:Fallback xmlns="">
+        <mc:Fallback>
           <p:sp>
             <p:nvSpPr>
-              <p:cNvPr id="55" name="TextBox 54">
+              <p:cNvPr id="49" name="TextBox 48">
                 <a:extLst>
                   <a:ext uri="{FF2B5EF4-FFF2-40B4-BE49-F238E27FC236}">
                     <a16:creationId xmlns:a16="http://schemas.microsoft.com/office/drawing/2014/main" id="{8B2C1965-29EC-09C3-EFBC-7C78081C13EC}"/>
@@ -41176,7 +41530,7 @@
               <a:blipFill>
                 <a:blip r:embed="rId7"/>
                 <a:stretch>
-                  <a:fillRect t="-1775" r="-636" b="-2959"/>
+                  <a:fillRect t="-2000" r="-714"/>
                 </a:stretch>
               </a:blipFill>
               <a:ln w="38100">
@@ -41461,7 +41815,7 @@
               <a:lstStyle/>
               <a:p>
                 <a:r>
-                  <a:rPr lang="en-US">
+                  <a:rPr lang="en-PH">
                     <a:noFill/>
                   </a:rPr>
                   <a:t> </a:t>
@@ -41474,7 +41828,7 @@
     </p:spTree>
     <p:extLst>
       <p:ext uri="{BB962C8B-B14F-4D97-AF65-F5344CB8AC3E}">
-        <p14:creationId xmlns:p14="http://schemas.microsoft.com/office/powerpoint/2010/main" val="3400662094"/>
+        <p14:creationId xmlns:p14="http://schemas.microsoft.com/office/powerpoint/2010/main" val="140155276"/>
       </p:ext>
     </p:extLst>
   </p:cSld>
@@ -41515,7 +41869,7 @@
                                           </p:stCondLst>
                                         </p:cTn>
                                         <p:tgtEl>
-                                          <p:spTgt spid="55"/>
+                                          <p:spTgt spid="49"/>
                                         </p:tgtEl>
                                         <p:attrNameLst>
                                           <p:attrName>style.visibility</p:attrName>
@@ -41556,7 +41910,7 @@
       </p:par>
     </p:tnLst>
     <p:bldLst>
-      <p:bldP spid="55" grpId="0" animBg="1"/>
+      <p:bldP spid="49" grpId="0" animBg="1"/>
     </p:bldLst>
   </p:timing>
 </p:sld>
@@ -42358,7 +42712,7 @@
           </a:prstGeom>
           <a:ln w="76200">
             <a:solidFill>
-              <a:srgbClr val="0070C0"/>
+              <a:srgbClr val="00B050"/>
             </a:solidFill>
             <a:headEnd type="triangle"/>
             <a:tailEnd type="triangle"/>
@@ -42836,7 +43190,7 @@
             <a:r>
               <a:rPr lang="en-GB" sz="3200" b="1" dirty="0">
                 <a:solidFill>
-                  <a:srgbClr val="0070C0"/>
+                  <a:srgbClr val="00B050"/>
                 </a:solidFill>
               </a:rPr>
               <a:t>winning</a:t>
@@ -43943,7 +44297,7 @@
           </a:prstGeom>
           <a:ln w="76200">
             <a:solidFill>
-              <a:srgbClr val="0070C0"/>
+              <a:srgbClr val="00B050"/>
             </a:solidFill>
             <a:headEnd type="triangle"/>
             <a:tailEnd type="triangle"/>
@@ -45463,7 +45817,7 @@
           </a:prstGeom>
           <a:ln w="76200">
             <a:solidFill>
-              <a:srgbClr val="0070C0"/>
+              <a:srgbClr val="00B050"/>
             </a:solidFill>
             <a:headEnd type="triangle"/>
             <a:tailEnd type="triangle"/>
@@ -48487,7 +48841,7 @@
           </a:prstGeom>
           <a:ln w="76200" cap="flat" cmpd="sng" algn="ctr">
             <a:solidFill>
-              <a:srgbClr val="0070C0"/>
+              <a:srgbClr val="00B050"/>
             </a:solidFill>
             <a:prstDash val="solid"/>
             <a:round/>
@@ -48798,7 +49152,7 @@
             <a:r>
               <a:rPr lang="en-GB" sz="3200" b="1" dirty="0">
                 <a:solidFill>
-                  <a:srgbClr val="0070C0"/>
+                  <a:srgbClr val="00B050"/>
                 </a:solidFill>
               </a:rPr>
               <a:t>1.79</a:t>
@@ -49836,7 +50190,7 @@
           </a:prstGeom>
           <a:ln w="76200" cap="flat" cmpd="sng" algn="ctr">
             <a:solidFill>
-              <a:srgbClr val="0070C0"/>
+              <a:srgbClr val="00B050"/>
             </a:solidFill>
             <a:prstDash val="solid"/>
             <a:round/>
@@ -50550,6 +50904,9 @@
               <a:prstGeom prst="ellipse">
                 <a:avLst/>
               </a:prstGeom>
+              <a:solidFill>
+                <a:srgbClr val="00B050"/>
+              </a:solidFill>
               <a:ln>
                 <a:solidFill>
                   <a:srgbClr val="0070C0"/>
@@ -51482,8 +51839,8 @@
             </p:nvSpPr>
             <p:spPr>
               <a:xfrm>
-                <a:off x="2137896" y="4449818"/>
-                <a:ext cx="4091454" cy="976742"/>
+                <a:off x="1399922" y="4449818"/>
+                <a:ext cx="4988540" cy="1129668"/>
               </a:xfrm>
               <a:prstGeom prst="rect">
                 <a:avLst/>
@@ -51648,8 +52005,8 @@
             </p:nvSpPr>
             <p:spPr>
               <a:xfrm>
-                <a:off x="2137896" y="4449818"/>
-                <a:ext cx="4091454" cy="976742"/>
+                <a:off x="1399922" y="4449818"/>
+                <a:ext cx="4988540" cy="1129668"/>
               </a:xfrm>
               <a:prstGeom prst="rect">
                 <a:avLst/>
@@ -51657,7 +52014,7 @@
               <a:blipFill>
                 <a:blip r:embed="rId8"/>
                 <a:stretch>
-                  <a:fillRect l="-307" b="-6173"/>
+                  <a:fillRect/>
                 </a:stretch>
               </a:blipFill>
               <a:ln w="38100">
@@ -51671,7 +52028,7 @@
               <a:lstStyle/>
               <a:p>
                 <a:r>
-                  <a:rPr lang="en-US">
+                  <a:rPr lang="en-PH">
                     <a:noFill/>
                   </a:rPr>
                   <a:t> </a:t>
@@ -52434,8 +52791,8 @@
           </a:p>
         </p:txBody>
       </p:sp>
-      <mc:AlternateContent xmlns:mc="http://schemas.openxmlformats.org/markup-compatibility/2006" xmlns:a14="http://schemas.microsoft.com/office/drawing/2010/main">
-        <mc:Choice Requires="a14">
+      <mc:AlternateContent xmlns:mc="http://schemas.openxmlformats.org/markup-compatibility/2006">
+        <mc:Choice xmlns:a14="http://schemas.microsoft.com/office/drawing/2010/main" Requires="a14">
           <p:sp>
             <p:nvSpPr>
               <p:cNvPr id="21" name="TextBox 20">
@@ -52450,8 +52807,8 @@
             </p:nvSpPr>
             <p:spPr>
               <a:xfrm>
-                <a:off x="2146363" y="1435685"/>
-                <a:ext cx="4091454" cy="976742"/>
+                <a:off x="1855694" y="1435685"/>
+                <a:ext cx="4382123" cy="1129668"/>
               </a:xfrm>
               <a:prstGeom prst="rect">
                 <a:avLst/>
@@ -52599,7 +52956,7 @@
             </p:txBody>
           </p:sp>
         </mc:Choice>
-        <mc:Fallback xmlns="">
+        <mc:Fallback>
           <p:sp>
             <p:nvSpPr>
               <p:cNvPr id="21" name="TextBox 20">
@@ -52616,8 +52973,8 @@
             </p:nvSpPr>
             <p:spPr>
               <a:xfrm>
-                <a:off x="2146363" y="1435685"/>
-                <a:ext cx="4091454" cy="976742"/>
+                <a:off x="1855694" y="1435685"/>
+                <a:ext cx="4382123" cy="1129668"/>
               </a:xfrm>
               <a:prstGeom prst="rect">
                 <a:avLst/>
@@ -52625,7 +52982,7 @@
               <a:blipFill>
                 <a:blip r:embed="rId4"/>
                 <a:stretch>
-                  <a:fillRect b="-4938"/>
+                  <a:fillRect/>
                 </a:stretch>
               </a:blipFill>
               <a:ln w="38100">
@@ -52639,7 +52996,7 @@
               <a:lstStyle/>
               <a:p>
                 <a:r>
-                  <a:rPr lang="en-US">
+                  <a:rPr lang="en-PH">
                     <a:noFill/>
                   </a:rPr>
                   <a:t> </a:t>
@@ -53557,8 +53914,11 @@
           <a:lstStyle/>
           <a:p>
             <a:pPr marL="457200" indent="-457200" algn="l">
-              <a:buFont typeface="Arial" panose="020B0604020202020204" pitchFamily="34" charset="0"/>
-              <a:buChar char="•"/>
+              <a:buClr>
+                <a:srgbClr val="0070C0"/>
+              </a:buClr>
+              <a:buFont typeface="Wingdings" panose="05000000000000000000" pitchFamily="2" charset="2"/>
+              <a:buChar char="§"/>
             </a:pPr>
             <a:r>
               <a:rPr lang="en-PH" sz="3000" dirty="0"/>
@@ -53567,15 +53927,21 @@
           </a:p>
           <a:p>
             <a:pPr marL="457200" indent="-457200" algn="l">
-              <a:buFont typeface="Arial" panose="020B0604020202020204" pitchFamily="34" charset="0"/>
-              <a:buChar char="•"/>
+              <a:buClr>
+                <a:srgbClr val="0070C0"/>
+              </a:buClr>
+              <a:buFont typeface="Wingdings" panose="05000000000000000000" pitchFamily="2" charset="2"/>
+              <a:buChar char="§"/>
             </a:pPr>
             <a:endParaRPr lang="en-PH" sz="3000" dirty="0"/>
           </a:p>
           <a:p>
             <a:pPr marL="457200" indent="-457200" algn="l">
-              <a:buFont typeface="Arial" panose="020B0604020202020204" pitchFamily="34" charset="0"/>
-              <a:buChar char="•"/>
+              <a:buClr>
+                <a:srgbClr val="0070C0"/>
+              </a:buClr>
+              <a:buFont typeface="Wingdings" panose="05000000000000000000" pitchFamily="2" charset="2"/>
+              <a:buChar char="§"/>
             </a:pPr>
             <a:r>
               <a:rPr lang="en-PH" sz="3000" dirty="0"/>
@@ -53584,15 +53950,21 @@
           </a:p>
           <a:p>
             <a:pPr marL="457200" indent="-457200" algn="l">
-              <a:buFont typeface="Arial" panose="020B0604020202020204" pitchFamily="34" charset="0"/>
-              <a:buChar char="•"/>
+              <a:buClr>
+                <a:srgbClr val="0070C0"/>
+              </a:buClr>
+              <a:buFont typeface="Wingdings" panose="05000000000000000000" pitchFamily="2" charset="2"/>
+              <a:buChar char="§"/>
             </a:pPr>
             <a:endParaRPr lang="en-PH" sz="3000" dirty="0"/>
           </a:p>
           <a:p>
             <a:pPr marL="457200" indent="-457200" algn="l">
-              <a:buFont typeface="Arial" panose="020B0604020202020204" pitchFamily="34" charset="0"/>
-              <a:buChar char="•"/>
+              <a:buClr>
+                <a:srgbClr val="0070C0"/>
+              </a:buClr>
+              <a:buFont typeface="Wingdings" panose="05000000000000000000" pitchFamily="2" charset="2"/>
+              <a:buChar char="§"/>
             </a:pPr>
             <a:r>
               <a:rPr lang="en-PH" sz="3000" dirty="0"/>
@@ -53756,8 +54128,11 @@
           <a:lstStyle/>
           <a:p>
             <a:pPr marL="457200" indent="-457200" algn="l">
-              <a:buFont typeface="Arial" panose="020B0604020202020204" pitchFamily="34" charset="0"/>
-              <a:buChar char="•"/>
+              <a:buClr>
+                <a:srgbClr val="0070C0"/>
+              </a:buClr>
+              <a:buFont typeface="Wingdings" panose="05000000000000000000" pitchFamily="2" charset="2"/>
+              <a:buChar char="§"/>
             </a:pPr>
             <a:r>
               <a:rPr lang="en-PH" sz="3000" dirty="0"/>
@@ -55390,6 +55765,21 @@
 </file>
 
 <file path=customXml/item1.xml><?xml version="1.0" encoding="utf-8"?>
+<p:properties xmlns:p="http://schemas.microsoft.com/office/2006/metadata/properties" xmlns:xsi="http://www.w3.org/2001/XMLSchema-instance" xmlns:pc="http://schemas.microsoft.com/office/infopath/2007/PartnerControls">
+  <documentManagement/>
+</p:properties>
+</file>
+
+<file path=customXml/item2.xml><?xml version="1.0" encoding="utf-8"?>
+<?mso-contentType ?>
+<FormTemplates xmlns="http://schemas.microsoft.com/sharepoint/v3/contenttype/forms">
+  <Display>DocumentLibraryForm</Display>
+  <Edit>DocumentLibraryForm</Edit>
+  <New>DocumentLibraryForm</New>
+</FormTemplates>
+</file>
+
+<file path=customXml/item3.xml><?xml version="1.0" encoding="utf-8"?>
 <ct:contentTypeSchema xmlns:ct="http://schemas.microsoft.com/office/2006/metadata/contentType" xmlns:ma="http://schemas.microsoft.com/office/2006/metadata/properties/metaAttributes" ct:_="" ma:_="" ma:contentTypeName="Document" ma:contentTypeID="0x0101007188BDCA587B344BBA6CB1A93FAE6998" ma:contentTypeVersion="2" ma:contentTypeDescription="Create a new document." ma:contentTypeScope="" ma:versionID="7a8e4b6720badb2566a0cfeddfaf2856">
   <xsd:schema xmlns:xsd="http://www.w3.org/2001/XMLSchema" xmlns:xs="http://www.w3.org/2001/XMLSchema" xmlns:p="http://schemas.microsoft.com/office/2006/metadata/properties" xmlns:ns2="ba111d12-426d-4af0-bcb6-460e36974645" targetNamespace="http://schemas.microsoft.com/office/2006/metadata/properties" ma:root="true" ma:fieldsID="989b05398519136c88ba0a8d54e3c3da" ns2:_="">
     <xsd:import namespace="ba111d12-426d-4af0-bcb6-460e36974645"/>
@@ -55521,22 +55911,24 @@
 </ct:contentTypeSchema>
 </file>
 
-<file path=customXml/item2.xml><?xml version="1.0" encoding="utf-8"?>
-<p:properties xmlns:p="http://schemas.microsoft.com/office/2006/metadata/properties" xmlns:xsi="http://www.w3.org/2001/XMLSchema-instance" xmlns:pc="http://schemas.microsoft.com/office/infopath/2007/PartnerControls">
-  <documentManagement/>
-</p:properties>
+<file path=customXml/itemProps1.xml><?xml version="1.0" encoding="utf-8"?>
+<ds:datastoreItem xmlns:ds="http://schemas.openxmlformats.org/officeDocument/2006/customXml" ds:itemID="{7ACF14CA-9E7F-410C-99DF-E0FAFDE78C11}">
+  <ds:schemaRefs>
+    <ds:schemaRef ds:uri="http://schemas.microsoft.com/office/2006/metadata/properties"/>
+    <ds:schemaRef ds:uri="http://schemas.microsoft.com/office/infopath/2007/PartnerControls"/>
+  </ds:schemaRefs>
+</ds:datastoreItem>
 </file>
 
-<file path=customXml/item3.xml><?xml version="1.0" encoding="utf-8"?>
-<?mso-contentType ?>
-<FormTemplates xmlns="http://schemas.microsoft.com/sharepoint/v3/contenttype/forms">
-  <Display>DocumentLibraryForm</Display>
-  <Edit>DocumentLibraryForm</Edit>
-  <New>DocumentLibraryForm</New>
-</FormTemplates>
+<file path=customXml/itemProps2.xml><?xml version="1.0" encoding="utf-8"?>
+<ds:datastoreItem xmlns:ds="http://schemas.openxmlformats.org/officeDocument/2006/customXml" ds:itemID="{6C1A3F1B-CE3A-47AB-9F84-47E786467973}">
+  <ds:schemaRefs>
+    <ds:schemaRef ds:uri="http://schemas.microsoft.com/sharepoint/v3/contenttype/forms"/>
+  </ds:schemaRefs>
+</ds:datastoreItem>
 </file>
 
-<file path=customXml/itemProps1.xml><?xml version="1.0" encoding="utf-8"?>
+<file path=customXml/itemProps3.xml><?xml version="1.0" encoding="utf-8"?>
 <ds:datastoreItem xmlns:ds="http://schemas.openxmlformats.org/officeDocument/2006/customXml" ds:itemID="{D622FF19-6ECD-4B79-A412-9430824D2BB6}">
   <ds:schemaRefs>
     <ds:schemaRef ds:uri="http://schemas.microsoft.com/office/2006/metadata/contentType"/>
@@ -55552,21 +55944,4 @@
     <ds:schemaRef ds:uri="http://schemas.microsoft.com/internal/obd"/>
   </ds:schemaRefs>
 </ds:datastoreItem>
-</file>
-
-<file path=customXml/itemProps2.xml><?xml version="1.0" encoding="utf-8"?>
-<ds:datastoreItem xmlns:ds="http://schemas.openxmlformats.org/officeDocument/2006/customXml" ds:itemID="{7ACF14CA-9E7F-410C-99DF-E0FAFDE78C11}">
-  <ds:schemaRefs>
-    <ds:schemaRef ds:uri="http://schemas.microsoft.com/office/2006/metadata/properties"/>
-    <ds:schemaRef ds:uri="http://schemas.microsoft.com/office/infopath/2007/PartnerControls"/>
-  </ds:schemaRefs>
-</ds:datastoreItem>
-</file>
-
-<file path=customXml/itemProps3.xml><?xml version="1.0" encoding="utf-8"?>
-<ds:datastoreItem xmlns:ds="http://schemas.openxmlformats.org/officeDocument/2006/customXml" ds:itemID="{6C1A3F1B-CE3A-47AB-9F84-47E786467973}">
-  <ds:schemaRefs>
-    <ds:schemaRef ds:uri="http://schemas.microsoft.com/sharepoint/v3/contenttype/forms"/>
-  </ds:schemaRefs>
-</ds:datastoreItem>
 </file>